--- a/Доклад 02 wavelet-преобразование.pptx
+++ b/Доклад 02 wavelet-преобразование.pptx
@@ -6,8 +6,15 @@
   </p:sldMasterIdLst>
   <p:sldIdLst>
     <p:sldId id="256" r:id="rId2"/>
-    <p:sldId id="257" r:id="rId3"/>
-    <p:sldId id="258" r:id="rId4"/>
+    <p:sldId id="259" r:id="rId3"/>
+    <p:sldId id="265" r:id="rId4"/>
+    <p:sldId id="261" r:id="rId5"/>
+    <p:sldId id="260" r:id="rId6"/>
+    <p:sldId id="266" r:id="rId7"/>
+    <p:sldId id="257" r:id="rId8"/>
+    <p:sldId id="263" r:id="rId9"/>
+    <p:sldId id="264" r:id="rId10"/>
+    <p:sldId id="258" r:id="rId11"/>
   </p:sldIdLst>
   <p:sldSz cx="12192000" cy="6858000"/>
   <p:notesSz cx="6858000" cy="9144000"/>
@@ -106,6 +113,11 @@
       </a:defRPr>
     </a:lvl9pPr>
   </p:defaultTextStyle>
+  <p:extLst>
+    <p:ext uri="{EFAFB233-063F-42B5-8137-9DF3F51BA10A}">
+      <p15:sldGuideLst xmlns:p15="http://schemas.microsoft.com/office/powerpoint/2012/main"/>
+    </p:ext>
+  </p:extLst>
 </p:presentation>
 </file>
 
@@ -240,7 +252,7 @@
           <a:p>
             <a:fld id="{2AEF6AB7-5D86-472F-949B-2C663C76DB66}" type="datetimeFigureOut">
               <a:rPr lang="ru-RU" smtClean="0"/>
-              <a:t>вт, 10, 04, 2018</a:t>
+              <a:t>ср, 11, 04, 2018</a:t>
             </a:fld>
             <a:endParaRPr lang="ru-RU"/>
           </a:p>
@@ -410,7 +422,7 @@
           <a:p>
             <a:fld id="{2AEF6AB7-5D86-472F-949B-2C663C76DB66}" type="datetimeFigureOut">
               <a:rPr lang="ru-RU" smtClean="0"/>
-              <a:t>вт, 10, 04, 2018</a:t>
+              <a:t>ср, 11, 04, 2018</a:t>
             </a:fld>
             <a:endParaRPr lang="ru-RU"/>
           </a:p>
@@ -590,7 +602,7 @@
           <a:p>
             <a:fld id="{2AEF6AB7-5D86-472F-949B-2C663C76DB66}" type="datetimeFigureOut">
               <a:rPr lang="ru-RU" smtClean="0"/>
-              <a:t>вт, 10, 04, 2018</a:t>
+              <a:t>ср, 11, 04, 2018</a:t>
             </a:fld>
             <a:endParaRPr lang="ru-RU"/>
           </a:p>
@@ -760,7 +772,7 @@
           <a:p>
             <a:fld id="{2AEF6AB7-5D86-472F-949B-2C663C76DB66}" type="datetimeFigureOut">
               <a:rPr lang="ru-RU" smtClean="0"/>
-              <a:t>вт, 10, 04, 2018</a:t>
+              <a:t>ср, 11, 04, 2018</a:t>
             </a:fld>
             <a:endParaRPr lang="ru-RU"/>
           </a:p>
@@ -1006,7 +1018,7 @@
           <a:p>
             <a:fld id="{2AEF6AB7-5D86-472F-949B-2C663C76DB66}" type="datetimeFigureOut">
               <a:rPr lang="ru-RU" smtClean="0"/>
-              <a:t>вт, 10, 04, 2018</a:t>
+              <a:t>ср, 11, 04, 2018</a:t>
             </a:fld>
             <a:endParaRPr lang="ru-RU"/>
           </a:p>
@@ -1238,7 +1250,7 @@
           <a:p>
             <a:fld id="{2AEF6AB7-5D86-472F-949B-2C663C76DB66}" type="datetimeFigureOut">
               <a:rPr lang="ru-RU" smtClean="0"/>
-              <a:t>вт, 10, 04, 2018</a:t>
+              <a:t>ср, 11, 04, 2018</a:t>
             </a:fld>
             <a:endParaRPr lang="ru-RU"/>
           </a:p>
@@ -1605,7 +1617,7 @@
           <a:p>
             <a:fld id="{2AEF6AB7-5D86-472F-949B-2C663C76DB66}" type="datetimeFigureOut">
               <a:rPr lang="ru-RU" smtClean="0"/>
-              <a:t>вт, 10, 04, 2018</a:t>
+              <a:t>ср, 11, 04, 2018</a:t>
             </a:fld>
             <a:endParaRPr lang="ru-RU"/>
           </a:p>
@@ -1723,7 +1735,7 @@
           <a:p>
             <a:fld id="{2AEF6AB7-5D86-472F-949B-2C663C76DB66}" type="datetimeFigureOut">
               <a:rPr lang="ru-RU" smtClean="0"/>
-              <a:t>вт, 10, 04, 2018</a:t>
+              <a:t>ср, 11, 04, 2018</a:t>
             </a:fld>
             <a:endParaRPr lang="ru-RU"/>
           </a:p>
@@ -1818,7 +1830,7 @@
           <a:p>
             <a:fld id="{2AEF6AB7-5D86-472F-949B-2C663C76DB66}" type="datetimeFigureOut">
               <a:rPr lang="ru-RU" smtClean="0"/>
-              <a:t>вт, 10, 04, 2018</a:t>
+              <a:t>ср, 11, 04, 2018</a:t>
             </a:fld>
             <a:endParaRPr lang="ru-RU"/>
           </a:p>
@@ -2095,7 +2107,7 @@
           <a:p>
             <a:fld id="{2AEF6AB7-5D86-472F-949B-2C663C76DB66}" type="datetimeFigureOut">
               <a:rPr lang="ru-RU" smtClean="0"/>
-              <a:t>вт, 10, 04, 2018</a:t>
+              <a:t>ср, 11, 04, 2018</a:t>
             </a:fld>
             <a:endParaRPr lang="ru-RU"/>
           </a:p>
@@ -2348,7 +2360,7 @@
           <a:p>
             <a:fld id="{2AEF6AB7-5D86-472F-949B-2C663C76DB66}" type="datetimeFigureOut">
               <a:rPr lang="ru-RU" smtClean="0"/>
-              <a:t>вт, 10, 04, 2018</a:t>
+              <a:t>ср, 11, 04, 2018</a:t>
             </a:fld>
             <a:endParaRPr lang="ru-RU"/>
           </a:p>
@@ -2561,7 +2573,7 @@
           <a:p>
             <a:fld id="{2AEF6AB7-5D86-472F-949B-2C663C76DB66}" type="datetimeFigureOut">
               <a:rPr lang="ru-RU" smtClean="0"/>
-              <a:t>вт, 10, 04, 2018</a:t>
+              <a:t>ср, 11, 04, 2018</a:t>
             </a:fld>
             <a:endParaRPr lang="ru-RU"/>
           </a:p>
@@ -2982,12 +2994,8 @@
           <a:lstStyle/>
           <a:p>
             <a:r>
-              <a:rPr lang="ru-RU" dirty="0" err="1" smtClean="0"/>
-              <a:t>Вейвлеты</a:t>
-            </a:r>
-            <a:r>
               <a:rPr lang="ru-RU" dirty="0" smtClean="0"/>
-              <a:t> и </a:t>
+              <a:t>Вейвлеты и </a:t>
             </a:r>
             <a:r>
               <a:rPr lang="ru-RU" dirty="0" err="1" smtClean="0"/>
@@ -3049,6 +3057,136 @@
   <p:clrMapOvr>
     <a:masterClrMapping/>
   </p:clrMapOvr>
+  <p:timing>
+    <p:tnLst>
+      <p:par>
+        <p:cTn id="1" dur="indefinite" restart="never" nodeType="tmRoot"/>
+      </p:par>
+    </p:tnLst>
+  </p:timing>
+</p:sld>
+</file>
+
+<file path=ppt/slides/slide10.xml><?xml version="1.0" encoding="utf-8"?>
+<p:sld xmlns:a="http://schemas.openxmlformats.org/drawingml/2006/main" xmlns:r="http://schemas.openxmlformats.org/officeDocument/2006/relationships" xmlns:p="http://schemas.openxmlformats.org/presentationml/2006/main">
+  <p:cSld>
+    <p:spTree>
+      <p:nvGrpSpPr>
+        <p:cNvPr id="1" name=""/>
+        <p:cNvGrpSpPr/>
+        <p:nvPr/>
+      </p:nvGrpSpPr>
+      <p:grpSpPr>
+        <a:xfrm>
+          <a:off x="0" y="0"/>
+          <a:ext cx="0" cy="0"/>
+          <a:chOff x="0" y="0"/>
+          <a:chExt cx="0" cy="0"/>
+        </a:xfrm>
+      </p:grpSpPr>
+      <p:sp>
+        <p:nvSpPr>
+          <p:cNvPr id="2" name="Заголовок 1"/>
+          <p:cNvSpPr>
+            <a:spLocks noGrp="1"/>
+          </p:cNvSpPr>
+          <p:nvPr>
+            <p:ph type="title"/>
+          </p:nvPr>
+        </p:nvSpPr>
+        <p:spPr/>
+        <p:txBody>
+          <a:bodyPr/>
+          <a:lstStyle/>
+          <a:p>
+            <a:pPr algn="ctr"/>
+            <a:r>
+              <a:rPr lang="ru-RU" dirty="0" smtClean="0"/>
+              <a:t>Исходники и материалы</a:t>
+            </a:r>
+            <a:endParaRPr lang="ru-RU" dirty="0"/>
+          </a:p>
+        </p:txBody>
+      </p:sp>
+      <p:pic>
+        <p:nvPicPr>
+          <p:cNvPr id="4" name="Рисунок 3"/>
+          <p:cNvPicPr>
+            <a:picLocks noChangeAspect="1"/>
+          </p:cNvPicPr>
+          <p:nvPr/>
+        </p:nvPicPr>
+        <p:blipFill>
+          <a:blip r:embed="rId2">
+            <a:extLst>
+              <a:ext uri="{28A0092B-C50C-407E-A947-70E740481C1C}">
+                <a14:useLocalDpi xmlns:a14="http://schemas.microsoft.com/office/drawing/2010/main" val="0"/>
+              </a:ext>
+            </a:extLst>
+          </a:blip>
+          <a:stretch>
+            <a:fillRect/>
+          </a:stretch>
+        </p:blipFill>
+        <p:spPr>
+          <a:xfrm>
+            <a:off x="4333874" y="1690688"/>
+            <a:ext cx="3524250" cy="3524250"/>
+          </a:xfrm>
+          <a:prstGeom prst="rect">
+            <a:avLst/>
+          </a:prstGeom>
+        </p:spPr>
+      </p:pic>
+      <p:sp>
+        <p:nvSpPr>
+          <p:cNvPr id="5" name="TextBox 4"/>
+          <p:cNvSpPr txBox="1"/>
+          <p:nvPr/>
+        </p:nvSpPr>
+        <p:spPr>
+          <a:xfrm>
+            <a:off x="3903956" y="5214938"/>
+            <a:ext cx="4384085" cy="369332"/>
+          </a:xfrm>
+          <a:prstGeom prst="rect">
+            <a:avLst/>
+          </a:prstGeom>
+          <a:noFill/>
+        </p:spPr>
+        <p:txBody>
+          <a:bodyPr wrap="none" rtlCol="0">
+            <a:spAutoFit/>
+          </a:bodyPr>
+          <a:lstStyle/>
+          <a:p>
+            <a:r>
+              <a:rPr lang="en-US" dirty="0" smtClean="0">
+                <a:hlinkClick r:id="rId3"/>
+              </a:rPr>
+              <a:t>https://github.com/ninedraft/waveproblems</a:t>
+            </a:r>
+            <a:endParaRPr lang="ru-RU" dirty="0"/>
+          </a:p>
+        </p:txBody>
+      </p:sp>
+    </p:spTree>
+    <p:extLst>
+      <p:ext uri="{BB962C8B-B14F-4D97-AF65-F5344CB8AC3E}">
+        <p14:creationId xmlns:p14="http://schemas.microsoft.com/office/powerpoint/2010/main" val="3227809440"/>
+      </p:ext>
+    </p:extLst>
+  </p:cSld>
+  <p:clrMapOvr>
+    <a:masterClrMapping/>
+  </p:clrMapOvr>
+  <p:timing>
+    <p:tnLst>
+      <p:par>
+        <p:cTn id="1" dur="indefinite" restart="never" nodeType="tmRoot"/>
+      </p:par>
+    </p:tnLst>
+  </p:timing>
 </p:sld>
 </file>
 
@@ -3071,14 +3209,1446 @@
       </p:grpSpPr>
       <p:sp>
         <p:nvSpPr>
-          <p:cNvPr id="9" name="TextBox 8"/>
+          <p:cNvPr id="2" name="Заголовок 1"/>
+          <p:cNvSpPr>
+            <a:spLocks noGrp="1"/>
+          </p:cNvSpPr>
+          <p:nvPr>
+            <p:ph type="title"/>
+          </p:nvPr>
+        </p:nvSpPr>
+        <p:spPr/>
+        <p:txBody>
+          <a:bodyPr/>
+          <a:lstStyle/>
+          <a:p>
+            <a:r>
+              <a:rPr lang="ru-RU" dirty="0" smtClean="0"/>
+              <a:t>Вейвлеты</a:t>
+            </a:r>
+            <a:endParaRPr lang="ru-RU" dirty="0"/>
+          </a:p>
+        </p:txBody>
+      </p:sp>
+      <mc:AlternateContent xmlns:mc="http://schemas.openxmlformats.org/markup-compatibility/2006">
+        <mc:Choice xmlns:a14="http://schemas.microsoft.com/office/drawing/2010/main" Requires="a14">
+          <p:sp>
+            <p:nvSpPr>
+              <p:cNvPr id="3" name="Объект 2"/>
+              <p:cNvSpPr>
+                <a:spLocks noGrp="1"/>
+              </p:cNvSpPr>
+              <p:nvPr>
+                <p:ph idx="1"/>
+              </p:nvPr>
+            </p:nvSpPr>
+            <p:spPr>
+              <a:xfrm>
+                <a:off x="838200" y="1825625"/>
+                <a:ext cx="4672054" cy="1108406"/>
+              </a:xfrm>
+            </p:spPr>
+            <p:txBody>
+              <a:bodyPr/>
+              <a:lstStyle/>
+              <a:p>
+                <a:r>
+                  <a:rPr lang="ru-RU" dirty="0"/>
+                  <a:t>А</a:t>
+                </a:r>
+                <a:r>
+                  <a:rPr lang="ru-RU" dirty="0" smtClean="0"/>
+                  <a:t>нгл. </a:t>
+                </a:r>
+                <a:r>
+                  <a:rPr lang="en-US" dirty="0" smtClean="0"/>
+                  <a:t>wavelet — </a:t>
+                </a:r>
+                <a:r>
+                  <a:rPr lang="ru-RU" dirty="0" smtClean="0"/>
+                  <a:t>«</a:t>
+                </a:r>
+                <a:r>
+                  <a:rPr lang="ru-RU" dirty="0" err="1" smtClean="0"/>
+                  <a:t>волночка</a:t>
+                </a:r>
+                <a:r>
+                  <a:rPr lang="ru-RU" dirty="0" smtClean="0"/>
+                  <a:t>»</a:t>
+                </a:r>
+              </a:p>
+              <a:p>
+                <a:r>
+                  <a:rPr lang="ru-RU" dirty="0" smtClean="0"/>
+                  <a:t>Амплитуда </a:t>
+                </a:r>
+                <a14:m>
+                  <m:oMath xmlns:m="http://schemas.openxmlformats.org/officeDocument/2006/math">
+                    <m:groupChr>
+                      <m:groupChrPr>
+                        <m:chr m:val="→"/>
+                        <m:vertJc m:val="bot"/>
+                        <m:ctrlPr>
+                          <a:rPr lang="en-US" i="1" smtClean="0">
+                            <a:latin typeface="Cambria Math" panose="02040503050406030204" pitchFamily="18" charset="0"/>
+                          </a:rPr>
+                        </m:ctrlPr>
+                      </m:groupChrPr>
+                      <m:e>
+                        <m:r>
+                          <m:rPr>
+                            <m:brk m:alnAt="2"/>
+                          </m:rPr>
+                          <a:rPr lang="ru-RU" b="0" i="1" smtClean="0">
+                            <a:latin typeface="Cambria Math" panose="02040503050406030204" pitchFamily="18" charset="0"/>
+                          </a:rPr>
+                          <m:t> </m:t>
+                        </m:r>
+                      </m:e>
+                    </m:groupChr>
+                  </m:oMath>
+                </a14:m>
+                <a:r>
+                  <a:rPr lang="en-US" dirty="0" smtClean="0"/>
+                  <a:t>0 </a:t>
+                </a:r>
+                <a:r>
+                  <a:rPr lang="ru-RU" dirty="0" smtClean="0"/>
+                  <a:t>на ±∞</a:t>
+                </a:r>
+              </a:p>
+              <a:p>
+                <a:endParaRPr lang="ru-RU" dirty="0" smtClean="0"/>
+              </a:p>
+              <a:p>
+                <a:endParaRPr lang="ru-RU" dirty="0" smtClean="0"/>
+              </a:p>
+            </p:txBody>
+          </p:sp>
+        </mc:Choice>
+        <mc:Fallback>
+          <p:sp>
+            <p:nvSpPr>
+              <p:cNvPr id="3" name="Объект 2"/>
+              <p:cNvSpPr>
+                <a:spLocks noGrp="1" noRot="1" noChangeAspect="1" noMove="1" noResize="1" noEditPoints="1" noAdjustHandles="1" noChangeArrowheads="1" noChangeShapeType="1" noTextEdit="1"/>
+              </p:cNvSpPr>
+              <p:nvPr>
+                <p:ph idx="1"/>
+              </p:nvPr>
+            </p:nvSpPr>
+            <p:spPr>
+              <a:xfrm>
+                <a:off x="838200" y="1825625"/>
+                <a:ext cx="4672054" cy="1108406"/>
+              </a:xfrm>
+              <a:blipFill>
+                <a:blip r:embed="rId2"/>
+                <a:stretch>
+                  <a:fillRect l="-2350" t="-8791" r="-2219" b="-4945"/>
+                </a:stretch>
+              </a:blipFill>
+            </p:spPr>
+            <p:txBody>
+              <a:bodyPr/>
+              <a:lstStyle/>
+              <a:p>
+                <a:r>
+                  <a:rPr lang="ru-RU">
+                    <a:noFill/>
+                  </a:rPr>
+                  <a:t> </a:t>
+                </a:r>
+              </a:p>
+            </p:txBody>
+          </p:sp>
+        </mc:Fallback>
+      </mc:AlternateContent>
+      <p:pic>
+        <p:nvPicPr>
+          <p:cNvPr id="5" name="Рисунок 4"/>
+          <p:cNvPicPr>
+            <a:picLocks noChangeAspect="1"/>
+          </p:cNvPicPr>
+          <p:nvPr/>
+        </p:nvPicPr>
+        <p:blipFill>
+          <a:blip r:embed="rId3">
+            <a:extLst>
+              <a:ext uri="{28A0092B-C50C-407E-A947-70E740481C1C}">
+                <a14:useLocalDpi xmlns:a14="http://schemas.microsoft.com/office/drawing/2010/main" val="0"/>
+              </a:ext>
+            </a:extLst>
+          </a:blip>
+          <a:stretch>
+            <a:fillRect/>
+          </a:stretch>
+        </p:blipFill>
+        <p:spPr>
+          <a:xfrm>
+            <a:off x="892865" y="2695492"/>
+            <a:ext cx="10406269" cy="4162508"/>
+          </a:xfrm>
+          <a:prstGeom prst="rect">
+            <a:avLst/>
+          </a:prstGeom>
+        </p:spPr>
+      </p:pic>
+      <p:pic>
+        <p:nvPicPr>
+          <p:cNvPr id="6" name="Рисунок 5"/>
+          <p:cNvPicPr>
+            <a:picLocks noChangeAspect="1"/>
+          </p:cNvPicPr>
+          <p:nvPr/>
+        </p:nvPicPr>
+        <p:blipFill>
+          <a:blip r:embed="rId4">
+            <a:extLst>
+              <a:ext uri="{28A0092B-C50C-407E-A947-70E740481C1C}">
+                <a14:useLocalDpi xmlns:a14="http://schemas.microsoft.com/office/drawing/2010/main" val="0"/>
+              </a:ext>
+            </a:extLst>
+          </a:blip>
+          <a:stretch>
+            <a:fillRect/>
+          </a:stretch>
+        </p:blipFill>
+        <p:spPr>
+          <a:xfrm>
+            <a:off x="6352098" y="420549"/>
+            <a:ext cx="1905000" cy="2200275"/>
+          </a:xfrm>
+          <a:prstGeom prst="rect">
+            <a:avLst/>
+          </a:prstGeom>
+        </p:spPr>
+      </p:pic>
+      <p:pic>
+        <p:nvPicPr>
+          <p:cNvPr id="7" name="Рисунок 6"/>
+          <p:cNvPicPr>
+            <a:picLocks noChangeAspect="1"/>
+          </p:cNvPicPr>
+          <p:nvPr/>
+        </p:nvPicPr>
+        <p:blipFill>
+          <a:blip r:embed="rId5">
+            <a:extLst>
+              <a:ext uri="{28A0092B-C50C-407E-A947-70E740481C1C}">
+                <a14:useLocalDpi xmlns:a14="http://schemas.microsoft.com/office/drawing/2010/main" val="0"/>
+              </a:ext>
+            </a:extLst>
+          </a:blip>
+          <a:stretch>
+            <a:fillRect/>
+          </a:stretch>
+        </p:blipFill>
+        <p:spPr>
+          <a:xfrm>
+            <a:off x="8757368" y="711061"/>
+            <a:ext cx="2819400" cy="1619250"/>
+          </a:xfrm>
+          <a:prstGeom prst="rect">
+            <a:avLst/>
+          </a:prstGeom>
+        </p:spPr>
+      </p:pic>
+    </p:spTree>
+    <p:extLst>
+      <p:ext uri="{BB962C8B-B14F-4D97-AF65-F5344CB8AC3E}">
+        <p14:creationId xmlns:p14="http://schemas.microsoft.com/office/powerpoint/2010/main" val="2481092729"/>
+      </p:ext>
+    </p:extLst>
+  </p:cSld>
+  <p:clrMapOvr>
+    <a:masterClrMapping/>
+  </p:clrMapOvr>
+  <p:timing>
+    <p:tnLst>
+      <p:par>
+        <p:cTn id="1" dur="indefinite" restart="never" nodeType="tmRoot"/>
+      </p:par>
+    </p:tnLst>
+  </p:timing>
+</p:sld>
+</file>
+
+<file path=ppt/slides/slide3.xml><?xml version="1.0" encoding="utf-8"?>
+<p:sld xmlns:a="http://schemas.openxmlformats.org/drawingml/2006/main" xmlns:r="http://schemas.openxmlformats.org/officeDocument/2006/relationships" xmlns:p="http://schemas.openxmlformats.org/presentationml/2006/main">
+  <p:cSld>
+    <p:spTree>
+      <p:nvGrpSpPr>
+        <p:cNvPr id="1" name=""/>
+        <p:cNvGrpSpPr/>
+        <p:nvPr/>
+      </p:nvGrpSpPr>
+      <p:grpSpPr>
+        <a:xfrm>
+          <a:off x="0" y="0"/>
+          <a:ext cx="0" cy="0"/>
+          <a:chOff x="0" y="0"/>
+          <a:chExt cx="0" cy="0"/>
+        </a:xfrm>
+      </p:grpSpPr>
+      <p:sp>
+        <p:nvSpPr>
+          <p:cNvPr id="2" name="Заголовок 1"/>
+          <p:cNvSpPr>
+            <a:spLocks noGrp="1"/>
+          </p:cNvSpPr>
+          <p:nvPr>
+            <p:ph type="title"/>
+          </p:nvPr>
+        </p:nvSpPr>
+        <p:spPr/>
+        <p:txBody>
+          <a:bodyPr/>
+          <a:lstStyle/>
+          <a:p>
+            <a:r>
+              <a:rPr lang="ru-RU" dirty="0" smtClean="0"/>
+              <a:t>Преобразование Фурье</a:t>
+            </a:r>
+            <a:endParaRPr lang="ru-RU" dirty="0"/>
+          </a:p>
+        </p:txBody>
+      </p:sp>
+      <mc:AlternateContent xmlns:mc="http://schemas.openxmlformats.org/markup-compatibility/2006">
+        <mc:Choice xmlns:a14="http://schemas.microsoft.com/office/drawing/2010/main" Requires="a14">
+          <p:sp>
+            <p:nvSpPr>
+              <p:cNvPr id="3" name="Объект 2"/>
+              <p:cNvSpPr>
+                <a:spLocks noGrp="1"/>
+              </p:cNvSpPr>
+              <p:nvPr>
+                <p:ph idx="1"/>
+              </p:nvPr>
+            </p:nvSpPr>
+            <p:spPr>
+              <a:xfrm>
+                <a:off x="838199" y="3816626"/>
+                <a:ext cx="4672055" cy="2528515"/>
+              </a:xfrm>
+            </p:spPr>
+            <p:txBody>
+              <a:bodyPr>
+                <a:normAutofit fontScale="62500" lnSpcReduction="20000"/>
+              </a:bodyPr>
+              <a:lstStyle/>
+              <a:p>
+                <a:pPr marL="0" indent="0">
+                  <a:buNone/>
+                </a:pPr>
+                <a:r>
+                  <a:rPr lang="ru-RU" sz="3800" dirty="0" smtClean="0"/>
+                  <a:t>Дискретное</a:t>
+                </a:r>
+                <a:endParaRPr lang="en-US" sz="3800" dirty="0" smtClean="0"/>
+              </a:p>
+              <a:p>
+                <a:pPr marL="0" indent="0">
+                  <a:buNone/>
+                </a:pPr>
+                <a:endParaRPr lang="en-US" dirty="0" smtClean="0"/>
+              </a:p>
+              <a:p>
+                <a:pPr marL="0" indent="0">
+                  <a:buNone/>
+                </a:pPr>
+                <a14:m>
+                  <m:oMathPara xmlns:m="http://schemas.openxmlformats.org/officeDocument/2006/math">
+                    <m:oMathParaPr>
+                      <m:jc m:val="left"/>
+                    </m:oMathParaPr>
+                    <m:oMath xmlns:m="http://schemas.openxmlformats.org/officeDocument/2006/math">
+                      <m:sSub>
+                        <m:sSubPr>
+                          <m:ctrlPr>
+                            <a:rPr lang="en-US" b="0" i="1" smtClean="0">
+                              <a:latin typeface="Cambria Math" panose="02040503050406030204" pitchFamily="18" charset="0"/>
+                            </a:rPr>
+                          </m:ctrlPr>
+                        </m:sSubPr>
+                        <m:e>
+                          <m:r>
+                            <a:rPr lang="en-US" b="0" i="1" smtClean="0">
+                              <a:latin typeface="Cambria Math" panose="02040503050406030204" pitchFamily="18" charset="0"/>
+                            </a:rPr>
+                            <m:t>𝑋</m:t>
+                          </m:r>
+                        </m:e>
+                        <m:sub>
+                          <m:r>
+                            <a:rPr lang="en-US" b="0" i="1" smtClean="0">
+                              <a:latin typeface="Cambria Math" panose="02040503050406030204" pitchFamily="18" charset="0"/>
+                            </a:rPr>
+                            <m:t>𝑖</m:t>
+                          </m:r>
+                        </m:sub>
+                      </m:sSub>
+                      <m:r>
+                        <a:rPr lang="pt-BR" i="1" smtClean="0">
+                          <a:latin typeface="Cambria Math" panose="02040503050406030204" pitchFamily="18" charset="0"/>
+                        </a:rPr>
+                        <m:t>=</m:t>
+                      </m:r>
+                      <m:nary>
+                        <m:naryPr>
+                          <m:chr m:val="∑"/>
+                          <m:ctrlPr>
+                            <a:rPr lang="pt-BR" i="1" smtClean="0">
+                              <a:latin typeface="Cambria Math" panose="02040503050406030204" pitchFamily="18" charset="0"/>
+                            </a:rPr>
+                          </m:ctrlPr>
+                        </m:naryPr>
+                        <m:sub>
+                          <m:r>
+                            <m:rPr>
+                              <m:brk m:alnAt="23"/>
+                            </m:rPr>
+                            <a:rPr lang="en-US" b="0" i="1" smtClean="0">
+                              <a:latin typeface="Cambria Math" panose="02040503050406030204" pitchFamily="18" charset="0"/>
+                            </a:rPr>
+                            <m:t>𝑛</m:t>
+                          </m:r>
+                          <m:r>
+                            <a:rPr lang="en-US" b="0" i="1" smtClean="0">
+                              <a:latin typeface="Cambria Math" panose="02040503050406030204" pitchFamily="18" charset="0"/>
+                            </a:rPr>
+                            <m:t>=0</m:t>
+                          </m:r>
+                        </m:sub>
+                        <m:sup>
+                          <m:r>
+                            <a:rPr lang="en-US" b="0" i="1" smtClean="0">
+                              <a:latin typeface="Cambria Math" panose="02040503050406030204" pitchFamily="18" charset="0"/>
+                            </a:rPr>
+                            <m:t>𝑁</m:t>
+                          </m:r>
+                          <m:r>
+                            <a:rPr lang="en-US" b="0" i="1" smtClean="0">
+                              <a:latin typeface="Cambria Math" panose="02040503050406030204" pitchFamily="18" charset="0"/>
+                            </a:rPr>
+                            <m:t>−1</m:t>
+                          </m:r>
+                        </m:sup>
+                        <m:e>
+                          <m:sSub>
+                            <m:sSubPr>
+                              <m:ctrlPr>
+                                <a:rPr lang="pt-BR" i="1" smtClean="0">
+                                  <a:latin typeface="Cambria Math" panose="02040503050406030204" pitchFamily="18" charset="0"/>
+                                </a:rPr>
+                              </m:ctrlPr>
+                            </m:sSubPr>
+                            <m:e>
+                              <m:r>
+                                <a:rPr lang="en-US" b="0" i="1" smtClean="0">
+                                  <a:latin typeface="Cambria Math" panose="02040503050406030204" pitchFamily="18" charset="0"/>
+                                </a:rPr>
+                                <m:t>𝑥</m:t>
+                              </m:r>
+                            </m:e>
+                            <m:sub>
+                              <m:r>
+                                <a:rPr lang="en-US" b="0" i="1" smtClean="0">
+                                  <a:latin typeface="Cambria Math" panose="02040503050406030204" pitchFamily="18" charset="0"/>
+                                </a:rPr>
+                                <m:t>𝑛</m:t>
+                              </m:r>
+                            </m:sub>
+                          </m:sSub>
+                          <m:sSup>
+                            <m:sSupPr>
+                              <m:ctrlPr>
+                                <a:rPr lang="pt-BR" i="1" smtClean="0">
+                                  <a:latin typeface="Cambria Math" panose="02040503050406030204" pitchFamily="18" charset="0"/>
+                                </a:rPr>
+                              </m:ctrlPr>
+                            </m:sSupPr>
+                            <m:e>
+                              <m:r>
+                                <a:rPr lang="en-US" b="0" i="1" smtClean="0">
+                                  <a:latin typeface="Cambria Math" panose="02040503050406030204" pitchFamily="18" charset="0"/>
+                                </a:rPr>
+                                <m:t>𝑒</m:t>
+                              </m:r>
+                            </m:e>
+                            <m:sup>
+                              <m:r>
+                                <a:rPr lang="en-US" b="0" i="1" smtClean="0">
+                                  <a:latin typeface="Cambria Math" panose="02040503050406030204" pitchFamily="18" charset="0"/>
+                                </a:rPr>
+                                <m:t>−</m:t>
+                              </m:r>
+                              <m:f>
+                                <m:fPr>
+                                  <m:ctrlPr>
+                                    <a:rPr lang="en-US" b="0" i="1" smtClean="0">
+                                      <a:latin typeface="Cambria Math" panose="02040503050406030204" pitchFamily="18" charset="0"/>
+                                    </a:rPr>
+                                  </m:ctrlPr>
+                                </m:fPr>
+                                <m:num>
+                                  <m:r>
+                                    <a:rPr lang="en-US" b="0" i="1" smtClean="0">
+                                      <a:latin typeface="Cambria Math" panose="02040503050406030204" pitchFamily="18" charset="0"/>
+                                    </a:rPr>
+                                    <m:t>2</m:t>
+                                  </m:r>
+                                  <m:r>
+                                    <a:rPr lang="en-US" b="0" i="1" smtClean="0">
+                                      <a:latin typeface="Cambria Math" panose="02040503050406030204" pitchFamily="18" charset="0"/>
+                                    </a:rPr>
+                                    <m:t>𝜋</m:t>
+                                  </m:r>
+                                  <m:r>
+                                    <a:rPr lang="en-US" b="0" i="1" smtClean="0">
+                                      <a:latin typeface="Cambria Math" panose="02040503050406030204" pitchFamily="18" charset="0"/>
+                                    </a:rPr>
+                                    <m:t>𝑖</m:t>
+                                  </m:r>
+                                  <m:r>
+                                    <a:rPr lang="en-US" b="0" i="1" smtClean="0">
+                                      <a:latin typeface="Cambria Math" panose="02040503050406030204" pitchFamily="18" charset="0"/>
+                                    </a:rPr>
+                                    <m:t> </m:t>
+                                  </m:r>
+                                </m:num>
+                                <m:den>
+                                  <m:r>
+                                    <a:rPr lang="en-US" b="0" i="1" smtClean="0">
+                                      <a:latin typeface="Cambria Math" panose="02040503050406030204" pitchFamily="18" charset="0"/>
+                                    </a:rPr>
+                                    <m:t>𝑁</m:t>
+                                  </m:r>
+                                </m:den>
+                              </m:f>
+                              <m:r>
+                                <a:rPr lang="en-US" b="0" i="1" smtClean="0">
+                                  <a:latin typeface="Cambria Math" panose="02040503050406030204" pitchFamily="18" charset="0"/>
+                                </a:rPr>
+                                <m:t>𝑘𝑛</m:t>
+                              </m:r>
+                            </m:sup>
+                          </m:sSup>
+                          <m:r>
+                            <a:rPr lang="en-US" b="0" i="1" smtClean="0">
+                              <a:latin typeface="Cambria Math" panose="02040503050406030204" pitchFamily="18" charset="0"/>
+                            </a:rPr>
+                            <m:t>, </m:t>
+                          </m:r>
+                          <m:r>
+                            <a:rPr lang="en-US" b="0" i="1" smtClean="0">
+                              <a:latin typeface="Cambria Math" panose="02040503050406030204" pitchFamily="18" charset="0"/>
+                            </a:rPr>
+                            <m:t>𝑘</m:t>
+                          </m:r>
+                          <m:r>
+                            <a:rPr lang="en-US" b="0" i="1" smtClean="0">
+                              <a:latin typeface="Cambria Math" panose="02040503050406030204" pitchFamily="18" charset="0"/>
+                            </a:rPr>
+                            <m:t>=0..</m:t>
+                          </m:r>
+                          <m:r>
+                            <a:rPr lang="en-US" b="0" i="1" smtClean="0">
+                              <a:latin typeface="Cambria Math" panose="02040503050406030204" pitchFamily="18" charset="0"/>
+                            </a:rPr>
+                            <m:t>𝑁</m:t>
+                          </m:r>
+                        </m:e>
+                      </m:nary>
+                    </m:oMath>
+                  </m:oMathPara>
+                </a14:m>
+                <a:endParaRPr lang="en-US" dirty="0" smtClean="0"/>
+              </a:p>
+              <a:p>
+                <a:pPr marL="0" indent="0">
+                  <a:buNone/>
+                </a:pPr>
+                <a:endParaRPr lang="en-US" dirty="0" smtClean="0"/>
+              </a:p>
+              <a:p>
+                <a:pPr marL="0" indent="0">
+                  <a:buNone/>
+                </a:pPr>
+                <a14:m>
+                  <m:oMathPara xmlns:m="http://schemas.openxmlformats.org/officeDocument/2006/math">
+                    <m:oMathParaPr>
+                      <m:jc m:val="left"/>
+                    </m:oMathParaPr>
+                    <m:oMath xmlns:m="http://schemas.openxmlformats.org/officeDocument/2006/math">
+                      <m:sSub>
+                        <m:sSubPr>
+                          <m:ctrlPr>
+                            <a:rPr lang="en-US" i="1">
+                              <a:latin typeface="Cambria Math" panose="02040503050406030204" pitchFamily="18" charset="0"/>
+                            </a:rPr>
+                          </m:ctrlPr>
+                        </m:sSubPr>
+                        <m:e>
+                          <m:r>
+                            <a:rPr lang="en-US" b="0" i="1" smtClean="0">
+                              <a:latin typeface="Cambria Math" panose="02040503050406030204" pitchFamily="18" charset="0"/>
+                            </a:rPr>
+                            <m:t>𝑥</m:t>
+                          </m:r>
+                        </m:e>
+                        <m:sub>
+                          <m:r>
+                            <a:rPr lang="en-US" i="1">
+                              <a:latin typeface="Cambria Math" panose="02040503050406030204" pitchFamily="18" charset="0"/>
+                            </a:rPr>
+                            <m:t>𝑖</m:t>
+                          </m:r>
+                        </m:sub>
+                      </m:sSub>
+                      <m:r>
+                        <a:rPr lang="pt-BR" i="1">
+                          <a:latin typeface="Cambria Math" panose="02040503050406030204" pitchFamily="18" charset="0"/>
+                        </a:rPr>
+                        <m:t>=</m:t>
+                      </m:r>
+                      <m:f>
+                        <m:fPr>
+                          <m:ctrlPr>
+                            <a:rPr lang="pt-BR" i="1" smtClean="0">
+                              <a:latin typeface="Cambria Math" panose="02040503050406030204" pitchFamily="18" charset="0"/>
+                            </a:rPr>
+                          </m:ctrlPr>
+                        </m:fPr>
+                        <m:num>
+                          <m:r>
+                            <a:rPr lang="en-US" b="0" i="1" smtClean="0">
+                              <a:latin typeface="Cambria Math" panose="02040503050406030204" pitchFamily="18" charset="0"/>
+                            </a:rPr>
+                            <m:t>1</m:t>
+                          </m:r>
+                        </m:num>
+                        <m:den>
+                          <m:r>
+                            <a:rPr lang="en-US" b="0" i="1" smtClean="0">
+                              <a:latin typeface="Cambria Math" panose="02040503050406030204" pitchFamily="18" charset="0"/>
+                            </a:rPr>
+                            <m:t>𝑁</m:t>
+                          </m:r>
+                        </m:den>
+                      </m:f>
+                      <m:nary>
+                        <m:naryPr>
+                          <m:chr m:val="∑"/>
+                          <m:ctrlPr>
+                            <a:rPr lang="pt-BR" i="1">
+                              <a:latin typeface="Cambria Math" panose="02040503050406030204" pitchFamily="18" charset="0"/>
+                            </a:rPr>
+                          </m:ctrlPr>
+                        </m:naryPr>
+                        <m:sub>
+                          <m:r>
+                            <m:rPr>
+                              <m:brk m:alnAt="23"/>
+                            </m:rPr>
+                            <a:rPr lang="en-US" i="1">
+                              <a:latin typeface="Cambria Math" panose="02040503050406030204" pitchFamily="18" charset="0"/>
+                            </a:rPr>
+                            <m:t>𝑛</m:t>
+                          </m:r>
+                          <m:r>
+                            <a:rPr lang="en-US" i="1">
+                              <a:latin typeface="Cambria Math" panose="02040503050406030204" pitchFamily="18" charset="0"/>
+                            </a:rPr>
+                            <m:t>=0</m:t>
+                          </m:r>
+                        </m:sub>
+                        <m:sup>
+                          <m:r>
+                            <a:rPr lang="en-US" i="1">
+                              <a:latin typeface="Cambria Math" panose="02040503050406030204" pitchFamily="18" charset="0"/>
+                            </a:rPr>
+                            <m:t>𝑁</m:t>
+                          </m:r>
+                          <m:r>
+                            <a:rPr lang="en-US" i="1">
+                              <a:latin typeface="Cambria Math" panose="02040503050406030204" pitchFamily="18" charset="0"/>
+                            </a:rPr>
+                            <m:t>−1</m:t>
+                          </m:r>
+                        </m:sup>
+                        <m:e>
+                          <m:sSub>
+                            <m:sSubPr>
+                              <m:ctrlPr>
+                                <a:rPr lang="pt-BR" i="1">
+                                  <a:latin typeface="Cambria Math" panose="02040503050406030204" pitchFamily="18" charset="0"/>
+                                </a:rPr>
+                              </m:ctrlPr>
+                            </m:sSubPr>
+                            <m:e>
+                              <m:r>
+                                <a:rPr lang="en-US" b="0" i="1" smtClean="0">
+                                  <a:latin typeface="Cambria Math" panose="02040503050406030204" pitchFamily="18" charset="0"/>
+                                </a:rPr>
+                                <m:t>𝑋</m:t>
+                              </m:r>
+                            </m:e>
+                            <m:sub>
+                              <m:r>
+                                <a:rPr lang="en-US" b="0" i="1" smtClean="0">
+                                  <a:latin typeface="Cambria Math" panose="02040503050406030204" pitchFamily="18" charset="0"/>
+                                </a:rPr>
+                                <m:t>𝑘</m:t>
+                              </m:r>
+                            </m:sub>
+                          </m:sSub>
+                          <m:sSup>
+                            <m:sSupPr>
+                              <m:ctrlPr>
+                                <a:rPr lang="pt-BR" i="1">
+                                  <a:latin typeface="Cambria Math" panose="02040503050406030204" pitchFamily="18" charset="0"/>
+                                </a:rPr>
+                              </m:ctrlPr>
+                            </m:sSupPr>
+                            <m:e>
+                              <m:r>
+                                <a:rPr lang="en-US" i="1">
+                                  <a:latin typeface="Cambria Math" panose="02040503050406030204" pitchFamily="18" charset="0"/>
+                                </a:rPr>
+                                <m:t>𝑒</m:t>
+                              </m:r>
+                            </m:e>
+                            <m:sup>
+                              <m:f>
+                                <m:fPr>
+                                  <m:ctrlPr>
+                                    <a:rPr lang="en-US" i="1">
+                                      <a:latin typeface="Cambria Math" panose="02040503050406030204" pitchFamily="18" charset="0"/>
+                                    </a:rPr>
+                                  </m:ctrlPr>
+                                </m:fPr>
+                                <m:num>
+                                  <m:r>
+                                    <a:rPr lang="en-US" i="1">
+                                      <a:latin typeface="Cambria Math" panose="02040503050406030204" pitchFamily="18" charset="0"/>
+                                    </a:rPr>
+                                    <m:t>2</m:t>
+                                  </m:r>
+                                  <m:r>
+                                    <a:rPr lang="en-US" i="1">
+                                      <a:latin typeface="Cambria Math" panose="02040503050406030204" pitchFamily="18" charset="0"/>
+                                    </a:rPr>
+                                    <m:t>𝜋</m:t>
+                                  </m:r>
+                                  <m:r>
+                                    <a:rPr lang="en-US" i="1">
+                                      <a:latin typeface="Cambria Math" panose="02040503050406030204" pitchFamily="18" charset="0"/>
+                                    </a:rPr>
+                                    <m:t>𝑖</m:t>
+                                  </m:r>
+                                  <m:r>
+                                    <a:rPr lang="en-US" i="1">
+                                      <a:latin typeface="Cambria Math" panose="02040503050406030204" pitchFamily="18" charset="0"/>
+                                    </a:rPr>
+                                    <m:t> </m:t>
+                                  </m:r>
+                                </m:num>
+                                <m:den>
+                                  <m:r>
+                                    <a:rPr lang="en-US" i="1">
+                                      <a:latin typeface="Cambria Math" panose="02040503050406030204" pitchFamily="18" charset="0"/>
+                                    </a:rPr>
+                                    <m:t>𝑁</m:t>
+                                  </m:r>
+                                </m:den>
+                              </m:f>
+                              <m:r>
+                                <a:rPr lang="en-US" i="1">
+                                  <a:latin typeface="Cambria Math" panose="02040503050406030204" pitchFamily="18" charset="0"/>
+                                </a:rPr>
+                                <m:t>𝑘𝑛</m:t>
+                              </m:r>
+                            </m:sup>
+                          </m:sSup>
+                          <m:r>
+                            <a:rPr lang="en-US" i="1">
+                              <a:latin typeface="Cambria Math" panose="02040503050406030204" pitchFamily="18" charset="0"/>
+                            </a:rPr>
+                            <m:t>, </m:t>
+                          </m:r>
+                          <m:r>
+                            <a:rPr lang="en-US" b="0" i="1" smtClean="0">
+                              <a:latin typeface="Cambria Math" panose="02040503050406030204" pitchFamily="18" charset="0"/>
+                            </a:rPr>
+                            <m:t>𝑛</m:t>
+                          </m:r>
+                          <m:r>
+                            <a:rPr lang="en-US" i="1">
+                              <a:latin typeface="Cambria Math" panose="02040503050406030204" pitchFamily="18" charset="0"/>
+                            </a:rPr>
+                            <m:t>=0..</m:t>
+                          </m:r>
+                          <m:r>
+                            <a:rPr lang="en-US" i="1">
+                              <a:latin typeface="Cambria Math" panose="02040503050406030204" pitchFamily="18" charset="0"/>
+                            </a:rPr>
+                            <m:t>𝑁</m:t>
+                          </m:r>
+                        </m:e>
+                      </m:nary>
+                    </m:oMath>
+                  </m:oMathPara>
+                </a14:m>
+                <a:endParaRPr lang="ru-RU" dirty="0"/>
+              </a:p>
+            </p:txBody>
+          </p:sp>
+        </mc:Choice>
+        <mc:Fallback>
+          <p:sp>
+            <p:nvSpPr>
+              <p:cNvPr id="3" name="Объект 2"/>
+              <p:cNvSpPr>
+                <a:spLocks noGrp="1" noRot="1" noChangeAspect="1" noMove="1" noResize="1" noEditPoints="1" noAdjustHandles="1" noChangeArrowheads="1" noChangeShapeType="1" noTextEdit="1"/>
+              </p:cNvSpPr>
+              <p:nvPr>
+                <p:ph idx="1"/>
+              </p:nvPr>
+            </p:nvSpPr>
+            <p:spPr>
+              <a:xfrm>
+                <a:off x="838199" y="3816626"/>
+                <a:ext cx="4672055" cy="2528515"/>
+              </a:xfrm>
+              <a:blipFill>
+                <a:blip r:embed="rId2"/>
+                <a:stretch>
+                  <a:fillRect l="-1956" t="-5542"/>
+                </a:stretch>
+              </a:blipFill>
+            </p:spPr>
+            <p:txBody>
+              <a:bodyPr/>
+              <a:lstStyle/>
+              <a:p>
+                <a:r>
+                  <a:rPr lang="ru-RU">
+                    <a:noFill/>
+                  </a:rPr>
+                  <a:t> </a:t>
+                </a:r>
+              </a:p>
+            </p:txBody>
+          </p:sp>
+        </mc:Fallback>
+      </mc:AlternateContent>
+      <mc:AlternateContent xmlns:mc="http://schemas.openxmlformats.org/markup-compatibility/2006">
+        <mc:Choice xmlns:a14="http://schemas.microsoft.com/office/drawing/2010/main" Requires="a14">
+          <p:sp>
+            <p:nvSpPr>
+              <p:cNvPr id="4" name="Объект 2"/>
+              <p:cNvSpPr txBox="1">
+                <a:spLocks/>
+              </p:cNvSpPr>
+              <p:nvPr/>
+            </p:nvSpPr>
+            <p:spPr>
+              <a:xfrm>
+                <a:off x="838199" y="1690688"/>
+                <a:ext cx="5745480" cy="2380615"/>
+              </a:xfrm>
+              <a:prstGeom prst="rect">
+                <a:avLst/>
+              </a:prstGeom>
+            </p:spPr>
+            <p:txBody>
+              <a:bodyPr vert="horz" lIns="91440" tIns="45720" rIns="91440" bIns="45720" rtlCol="0">
+                <a:normAutofit/>
+              </a:bodyPr>
+              <a:lstStyle>
+                <a:lvl1pPr marL="228600" indent="-228600" algn="l" defTabSz="914400" rtl="0" eaLnBrk="1" latinLnBrk="0" hangingPunct="1">
+                  <a:lnSpc>
+                    <a:spcPct val="90000"/>
+                  </a:lnSpc>
+                  <a:spcBef>
+                    <a:spcPts val="1000"/>
+                  </a:spcBef>
+                  <a:buFont typeface="Arial" panose="020B0604020202020204" pitchFamily="34" charset="0"/>
+                  <a:buChar char="•"/>
+                  <a:defRPr sz="2800" kern="1200">
+                    <a:solidFill>
+                      <a:schemeClr val="tx1"/>
+                    </a:solidFill>
+                    <a:latin typeface="+mn-lt"/>
+                    <a:ea typeface="+mn-ea"/>
+                    <a:cs typeface="+mn-cs"/>
+                  </a:defRPr>
+                </a:lvl1pPr>
+                <a:lvl2pPr marL="685800" indent="-228600" algn="l" defTabSz="914400" rtl="0" eaLnBrk="1" latinLnBrk="0" hangingPunct="1">
+                  <a:lnSpc>
+                    <a:spcPct val="90000"/>
+                  </a:lnSpc>
+                  <a:spcBef>
+                    <a:spcPts val="500"/>
+                  </a:spcBef>
+                  <a:buFont typeface="Arial" panose="020B0604020202020204" pitchFamily="34" charset="0"/>
+                  <a:buChar char="•"/>
+                  <a:defRPr sz="2400" kern="1200">
+                    <a:solidFill>
+                      <a:schemeClr val="tx1"/>
+                    </a:solidFill>
+                    <a:latin typeface="+mn-lt"/>
+                    <a:ea typeface="+mn-ea"/>
+                    <a:cs typeface="+mn-cs"/>
+                  </a:defRPr>
+                </a:lvl2pPr>
+                <a:lvl3pPr marL="1143000" indent="-228600" algn="l" defTabSz="914400" rtl="0" eaLnBrk="1" latinLnBrk="0" hangingPunct="1">
+                  <a:lnSpc>
+                    <a:spcPct val="90000"/>
+                  </a:lnSpc>
+                  <a:spcBef>
+                    <a:spcPts val="500"/>
+                  </a:spcBef>
+                  <a:buFont typeface="Arial" panose="020B0604020202020204" pitchFamily="34" charset="0"/>
+                  <a:buChar char="•"/>
+                  <a:defRPr sz="2000" kern="1200">
+                    <a:solidFill>
+                      <a:schemeClr val="tx1"/>
+                    </a:solidFill>
+                    <a:latin typeface="+mn-lt"/>
+                    <a:ea typeface="+mn-ea"/>
+                    <a:cs typeface="+mn-cs"/>
+                  </a:defRPr>
+                </a:lvl3pPr>
+                <a:lvl4pPr marL="1600200" indent="-228600" algn="l" defTabSz="914400" rtl="0" eaLnBrk="1" latinLnBrk="0" hangingPunct="1">
+                  <a:lnSpc>
+                    <a:spcPct val="90000"/>
+                  </a:lnSpc>
+                  <a:spcBef>
+                    <a:spcPts val="500"/>
+                  </a:spcBef>
+                  <a:buFont typeface="Arial" panose="020B0604020202020204" pitchFamily="34" charset="0"/>
+                  <a:buChar char="•"/>
+                  <a:defRPr sz="1800" kern="1200">
+                    <a:solidFill>
+                      <a:schemeClr val="tx1"/>
+                    </a:solidFill>
+                    <a:latin typeface="+mn-lt"/>
+                    <a:ea typeface="+mn-ea"/>
+                    <a:cs typeface="+mn-cs"/>
+                  </a:defRPr>
+                </a:lvl4pPr>
+                <a:lvl5pPr marL="2057400" indent="-228600" algn="l" defTabSz="914400" rtl="0" eaLnBrk="1" latinLnBrk="0" hangingPunct="1">
+                  <a:lnSpc>
+                    <a:spcPct val="90000"/>
+                  </a:lnSpc>
+                  <a:spcBef>
+                    <a:spcPts val="500"/>
+                  </a:spcBef>
+                  <a:buFont typeface="Arial" panose="020B0604020202020204" pitchFamily="34" charset="0"/>
+                  <a:buChar char="•"/>
+                  <a:defRPr sz="1800" kern="1200">
+                    <a:solidFill>
+                      <a:schemeClr val="tx1"/>
+                    </a:solidFill>
+                    <a:latin typeface="+mn-lt"/>
+                    <a:ea typeface="+mn-ea"/>
+                    <a:cs typeface="+mn-cs"/>
+                  </a:defRPr>
+                </a:lvl5pPr>
+                <a:lvl6pPr marL="2514600" indent="-228600" algn="l" defTabSz="914400" rtl="0" eaLnBrk="1" latinLnBrk="0" hangingPunct="1">
+                  <a:lnSpc>
+                    <a:spcPct val="90000"/>
+                  </a:lnSpc>
+                  <a:spcBef>
+                    <a:spcPts val="500"/>
+                  </a:spcBef>
+                  <a:buFont typeface="Arial" panose="020B0604020202020204" pitchFamily="34" charset="0"/>
+                  <a:buChar char="•"/>
+                  <a:defRPr sz="1800" kern="1200">
+                    <a:solidFill>
+                      <a:schemeClr val="tx1"/>
+                    </a:solidFill>
+                    <a:latin typeface="+mn-lt"/>
+                    <a:ea typeface="+mn-ea"/>
+                    <a:cs typeface="+mn-cs"/>
+                  </a:defRPr>
+                </a:lvl6pPr>
+                <a:lvl7pPr marL="2971800" indent="-228600" algn="l" defTabSz="914400" rtl="0" eaLnBrk="1" latinLnBrk="0" hangingPunct="1">
+                  <a:lnSpc>
+                    <a:spcPct val="90000"/>
+                  </a:lnSpc>
+                  <a:spcBef>
+                    <a:spcPts val="500"/>
+                  </a:spcBef>
+                  <a:buFont typeface="Arial" panose="020B0604020202020204" pitchFamily="34" charset="0"/>
+                  <a:buChar char="•"/>
+                  <a:defRPr sz="1800" kern="1200">
+                    <a:solidFill>
+                      <a:schemeClr val="tx1"/>
+                    </a:solidFill>
+                    <a:latin typeface="+mn-lt"/>
+                    <a:ea typeface="+mn-ea"/>
+                    <a:cs typeface="+mn-cs"/>
+                  </a:defRPr>
+                </a:lvl7pPr>
+                <a:lvl8pPr marL="3429000" indent="-228600" algn="l" defTabSz="914400" rtl="0" eaLnBrk="1" latinLnBrk="0" hangingPunct="1">
+                  <a:lnSpc>
+                    <a:spcPct val="90000"/>
+                  </a:lnSpc>
+                  <a:spcBef>
+                    <a:spcPts val="500"/>
+                  </a:spcBef>
+                  <a:buFont typeface="Arial" panose="020B0604020202020204" pitchFamily="34" charset="0"/>
+                  <a:buChar char="•"/>
+                  <a:defRPr sz="1800" kern="1200">
+                    <a:solidFill>
+                      <a:schemeClr val="tx1"/>
+                    </a:solidFill>
+                    <a:latin typeface="+mn-lt"/>
+                    <a:ea typeface="+mn-ea"/>
+                    <a:cs typeface="+mn-cs"/>
+                  </a:defRPr>
+                </a:lvl8pPr>
+                <a:lvl9pPr marL="3886200" indent="-228600" algn="l" defTabSz="914400" rtl="0" eaLnBrk="1" latinLnBrk="0" hangingPunct="1">
+                  <a:lnSpc>
+                    <a:spcPct val="90000"/>
+                  </a:lnSpc>
+                  <a:spcBef>
+                    <a:spcPts val="500"/>
+                  </a:spcBef>
+                  <a:buFont typeface="Arial" panose="020B0604020202020204" pitchFamily="34" charset="0"/>
+                  <a:buChar char="•"/>
+                  <a:defRPr sz="1800" kern="1200">
+                    <a:solidFill>
+                      <a:schemeClr val="tx1"/>
+                    </a:solidFill>
+                    <a:latin typeface="+mn-lt"/>
+                    <a:ea typeface="+mn-ea"/>
+                    <a:cs typeface="+mn-cs"/>
+                  </a:defRPr>
+                </a:lvl9pPr>
+              </a:lstStyle>
+              <a:p>
+                <a:pPr marL="0" indent="0">
+                  <a:buFont typeface="Arial" panose="020B0604020202020204" pitchFamily="34" charset="0"/>
+                  <a:buNone/>
+                </a:pPr>
+                <a:r>
+                  <a:rPr lang="ru-RU" sz="2400" dirty="0" smtClean="0"/>
+                  <a:t>Непрерывное</a:t>
+                </a:r>
+                <a:endParaRPr lang="en-US" sz="2400" dirty="0" smtClean="0"/>
+              </a:p>
+              <a:p>
+                <a:pPr marL="0" indent="0">
+                  <a:buFont typeface="Arial" panose="020B0604020202020204" pitchFamily="34" charset="0"/>
+                  <a:buNone/>
+                </a:pPr>
+                <a:r>
+                  <a:rPr lang="en-US" sz="2400" dirty="0" smtClean="0"/>
+                  <a:t>F</a:t>
+                </a:r>
+                <a14:m>
+                  <m:oMath xmlns:m="http://schemas.openxmlformats.org/officeDocument/2006/math">
+                    <m:r>
+                      <a:rPr lang="en-US" sz="2400" i="1" smtClean="0">
+                        <a:latin typeface="Cambria Math" panose="02040503050406030204" pitchFamily="18" charset="0"/>
+                      </a:rPr>
+                      <m:t>(</m:t>
+                    </m:r>
+                    <m:r>
+                      <a:rPr lang="en-US" sz="2400" i="1" smtClean="0">
+                        <a:latin typeface="Cambria Math" panose="02040503050406030204" pitchFamily="18" charset="0"/>
+                      </a:rPr>
+                      <m:t>𝜔</m:t>
+                    </m:r>
+                    <m:r>
+                      <a:rPr lang="en-US" sz="2400" i="1" smtClean="0">
+                        <a:latin typeface="Cambria Math" panose="02040503050406030204" pitchFamily="18" charset="0"/>
+                      </a:rPr>
+                      <m:t>)=</m:t>
+                    </m:r>
+                    <m:f>
+                      <m:fPr>
+                        <m:ctrlPr>
+                          <a:rPr lang="pt-BR" sz="2400" i="1" smtClean="0">
+                            <a:latin typeface="Cambria Math" panose="02040503050406030204" pitchFamily="18" charset="0"/>
+                          </a:rPr>
+                        </m:ctrlPr>
+                      </m:fPr>
+                      <m:num>
+                        <m:r>
+                          <a:rPr lang="en-US" sz="2400" i="1" smtClean="0">
+                            <a:latin typeface="Cambria Math" panose="02040503050406030204" pitchFamily="18" charset="0"/>
+                          </a:rPr>
+                          <m:t>1</m:t>
+                        </m:r>
+                      </m:num>
+                      <m:den>
+                        <m:r>
+                          <a:rPr lang="en-US" sz="2400" i="1" smtClean="0">
+                            <a:latin typeface="Cambria Math" panose="02040503050406030204" pitchFamily="18" charset="0"/>
+                          </a:rPr>
+                          <m:t>√2</m:t>
+                        </m:r>
+                        <m:r>
+                          <a:rPr lang="en-US" sz="2400" i="1" smtClean="0">
+                            <a:latin typeface="Cambria Math" panose="02040503050406030204" pitchFamily="18" charset="0"/>
+                          </a:rPr>
+                          <m:t>𝜋</m:t>
+                        </m:r>
+                      </m:den>
+                    </m:f>
+                    <m:nary>
+                      <m:naryPr>
+                        <m:limLoc m:val="undOvr"/>
+                        <m:ctrlPr>
+                          <a:rPr lang="pt-BR" sz="2400" i="1" smtClean="0">
+                            <a:latin typeface="Cambria Math" panose="02040503050406030204" pitchFamily="18" charset="0"/>
+                          </a:rPr>
+                        </m:ctrlPr>
+                      </m:naryPr>
+                      <m:sub>
+                        <m:r>
+                          <m:rPr>
+                            <m:brk m:alnAt="24"/>
+                          </m:rPr>
+                          <a:rPr lang="en-US" sz="2400" i="1" smtClean="0">
+                            <a:latin typeface="Cambria Math" panose="02040503050406030204" pitchFamily="18" charset="0"/>
+                          </a:rPr>
+                          <m:t>−</m:t>
+                        </m:r>
+                        <m:r>
+                          <a:rPr lang="en-US" sz="2400" i="1" smtClean="0">
+                            <a:latin typeface="Cambria Math" panose="02040503050406030204" pitchFamily="18" charset="0"/>
+                            <a:ea typeface="Cambria Math" panose="02040503050406030204" pitchFamily="18" charset="0"/>
+                          </a:rPr>
+                          <m:t>∞</m:t>
+                        </m:r>
+                      </m:sub>
+                      <m:sup>
+                        <m:r>
+                          <a:rPr lang="en-US" sz="2400" i="1" smtClean="0">
+                            <a:latin typeface="Cambria Math" panose="02040503050406030204" pitchFamily="18" charset="0"/>
+                          </a:rPr>
+                          <m:t>+</m:t>
+                        </m:r>
+                        <m:r>
+                          <a:rPr lang="en-US" sz="2400" i="1" smtClean="0">
+                            <a:latin typeface="Cambria Math" panose="02040503050406030204" pitchFamily="18" charset="0"/>
+                            <a:ea typeface="Cambria Math" panose="02040503050406030204" pitchFamily="18" charset="0"/>
+                          </a:rPr>
+                          <m:t>∞</m:t>
+                        </m:r>
+                      </m:sup>
+                      <m:e>
+                        <m:r>
+                          <a:rPr lang="en-US" sz="2400" i="1" smtClean="0">
+                            <a:latin typeface="Cambria Math" panose="02040503050406030204" pitchFamily="18" charset="0"/>
+                          </a:rPr>
+                          <m:t>𝑓</m:t>
+                        </m:r>
+                        <m:d>
+                          <m:dPr>
+                            <m:ctrlPr>
+                              <a:rPr lang="en-US" sz="2400" i="1" smtClean="0">
+                                <a:latin typeface="Cambria Math" panose="02040503050406030204" pitchFamily="18" charset="0"/>
+                              </a:rPr>
+                            </m:ctrlPr>
+                          </m:dPr>
+                          <m:e>
+                            <m:r>
+                              <a:rPr lang="en-US" sz="2400" i="1" smtClean="0">
+                                <a:latin typeface="Cambria Math" panose="02040503050406030204" pitchFamily="18" charset="0"/>
+                              </a:rPr>
+                              <m:t>𝑥</m:t>
+                            </m:r>
+                          </m:e>
+                        </m:d>
+                        <m:sSup>
+                          <m:sSupPr>
+                            <m:ctrlPr>
+                              <a:rPr lang="en-US" sz="2400" i="1" smtClean="0">
+                                <a:latin typeface="Cambria Math" panose="02040503050406030204" pitchFamily="18" charset="0"/>
+                              </a:rPr>
+                            </m:ctrlPr>
+                          </m:sSupPr>
+                          <m:e>
+                            <m:r>
+                              <a:rPr lang="en-US" sz="2400" i="1" smtClean="0">
+                                <a:latin typeface="Cambria Math" panose="02040503050406030204" pitchFamily="18" charset="0"/>
+                              </a:rPr>
+                              <m:t>𝑒</m:t>
+                            </m:r>
+                          </m:e>
+                          <m:sup>
+                            <m:r>
+                              <a:rPr lang="en-US" sz="2400" i="1" smtClean="0">
+                                <a:latin typeface="Cambria Math" panose="02040503050406030204" pitchFamily="18" charset="0"/>
+                              </a:rPr>
+                              <m:t>−</m:t>
+                            </m:r>
+                            <m:r>
+                              <a:rPr lang="en-US" sz="2400" i="1" smtClean="0">
+                                <a:latin typeface="Cambria Math" panose="02040503050406030204" pitchFamily="18" charset="0"/>
+                              </a:rPr>
+                              <m:t>𝑖𝑥</m:t>
+                            </m:r>
+                            <m:r>
+                              <a:rPr lang="en-US" sz="2400" i="1" smtClean="0">
+                                <a:latin typeface="Cambria Math" panose="02040503050406030204" pitchFamily="18" charset="0"/>
+                              </a:rPr>
+                              <m:t>𝜔</m:t>
+                            </m:r>
+                          </m:sup>
+                        </m:sSup>
+                      </m:e>
+                    </m:nary>
+                    <m:r>
+                      <a:rPr lang="pt-BR" sz="2400" i="1">
+                        <a:latin typeface="Cambria Math" panose="02040503050406030204" pitchFamily="18" charset="0"/>
+                      </a:rPr>
+                      <m:t>𝑑</m:t>
+                    </m:r>
+                    <m:r>
+                      <a:rPr lang="en-US" sz="2400" i="1">
+                        <a:latin typeface="Cambria Math" panose="02040503050406030204" pitchFamily="18" charset="0"/>
+                      </a:rPr>
+                      <m:t>𝑥</m:t>
+                    </m:r>
+                  </m:oMath>
+                </a14:m>
+                <a:endParaRPr lang="en-US" sz="2400" dirty="0" smtClean="0"/>
+              </a:p>
+              <a:p>
+                <a:pPr marL="0" indent="0">
+                  <a:buFont typeface="Arial" panose="020B0604020202020204" pitchFamily="34" charset="0"/>
+                  <a:buNone/>
+                </a:pPr>
+                <a:r>
+                  <a:rPr lang="en-US" sz="2400" dirty="0" smtClean="0"/>
+                  <a:t>f</a:t>
+                </a:r>
+                <a14:m>
+                  <m:oMath xmlns:m="http://schemas.openxmlformats.org/officeDocument/2006/math">
+                    <m:r>
+                      <a:rPr lang="en-US" sz="2400" i="1">
+                        <a:latin typeface="Cambria Math" panose="02040503050406030204" pitchFamily="18" charset="0"/>
+                      </a:rPr>
+                      <m:t>(</m:t>
+                    </m:r>
+                    <m:r>
+                      <a:rPr lang="en-US" sz="2400" i="1" smtClean="0">
+                        <a:latin typeface="Cambria Math" panose="02040503050406030204" pitchFamily="18" charset="0"/>
+                      </a:rPr>
+                      <m:t>𝑥</m:t>
+                    </m:r>
+                    <m:r>
+                      <a:rPr lang="en-US" sz="2400" i="1">
+                        <a:latin typeface="Cambria Math" panose="02040503050406030204" pitchFamily="18" charset="0"/>
+                      </a:rPr>
+                      <m:t>)=</m:t>
+                    </m:r>
+                    <m:f>
+                      <m:fPr>
+                        <m:ctrlPr>
+                          <a:rPr lang="pt-BR" sz="2400" i="1">
+                            <a:latin typeface="Cambria Math" panose="02040503050406030204" pitchFamily="18" charset="0"/>
+                          </a:rPr>
+                        </m:ctrlPr>
+                      </m:fPr>
+                      <m:num>
+                        <m:r>
+                          <a:rPr lang="en-US" sz="2400" i="1">
+                            <a:latin typeface="Cambria Math" panose="02040503050406030204" pitchFamily="18" charset="0"/>
+                          </a:rPr>
+                          <m:t>1</m:t>
+                        </m:r>
+                      </m:num>
+                      <m:den>
+                        <m:r>
+                          <a:rPr lang="en-US" sz="2400" i="1">
+                            <a:latin typeface="Cambria Math" panose="02040503050406030204" pitchFamily="18" charset="0"/>
+                          </a:rPr>
+                          <m:t>√2</m:t>
+                        </m:r>
+                        <m:r>
+                          <a:rPr lang="en-US" sz="2400" i="1">
+                            <a:latin typeface="Cambria Math" panose="02040503050406030204" pitchFamily="18" charset="0"/>
+                          </a:rPr>
+                          <m:t>𝜋</m:t>
+                        </m:r>
+                      </m:den>
+                    </m:f>
+                    <m:nary>
+                      <m:naryPr>
+                        <m:limLoc m:val="undOvr"/>
+                        <m:ctrlPr>
+                          <a:rPr lang="pt-BR" sz="2400" i="1">
+                            <a:latin typeface="Cambria Math" panose="02040503050406030204" pitchFamily="18" charset="0"/>
+                          </a:rPr>
+                        </m:ctrlPr>
+                      </m:naryPr>
+                      <m:sub>
+                        <m:r>
+                          <m:rPr>
+                            <m:brk m:alnAt="24"/>
+                          </m:rPr>
+                          <a:rPr lang="en-US" sz="2400" i="1">
+                            <a:latin typeface="Cambria Math" panose="02040503050406030204" pitchFamily="18" charset="0"/>
+                          </a:rPr>
+                          <m:t>−</m:t>
+                        </m:r>
+                        <m:r>
+                          <a:rPr lang="en-US" sz="2400" i="1">
+                            <a:latin typeface="Cambria Math" panose="02040503050406030204" pitchFamily="18" charset="0"/>
+                            <a:ea typeface="Cambria Math" panose="02040503050406030204" pitchFamily="18" charset="0"/>
+                          </a:rPr>
+                          <m:t>∞</m:t>
+                        </m:r>
+                      </m:sub>
+                      <m:sup>
+                        <m:r>
+                          <a:rPr lang="en-US" sz="2400" i="1">
+                            <a:latin typeface="Cambria Math" panose="02040503050406030204" pitchFamily="18" charset="0"/>
+                          </a:rPr>
+                          <m:t>+</m:t>
+                        </m:r>
+                        <m:r>
+                          <a:rPr lang="en-US" sz="2400" i="1">
+                            <a:latin typeface="Cambria Math" panose="02040503050406030204" pitchFamily="18" charset="0"/>
+                            <a:ea typeface="Cambria Math" panose="02040503050406030204" pitchFamily="18" charset="0"/>
+                          </a:rPr>
+                          <m:t>∞</m:t>
+                        </m:r>
+                      </m:sup>
+                      <m:e>
+                        <m:r>
+                          <a:rPr lang="en-US" sz="2400" i="1" smtClean="0">
+                            <a:latin typeface="Cambria Math" panose="02040503050406030204" pitchFamily="18" charset="0"/>
+                          </a:rPr>
+                          <m:t>𝐹</m:t>
+                        </m:r>
+                        <m:d>
+                          <m:dPr>
+                            <m:ctrlPr>
+                              <a:rPr lang="en-US" sz="2400" i="1">
+                                <a:latin typeface="Cambria Math" panose="02040503050406030204" pitchFamily="18" charset="0"/>
+                              </a:rPr>
+                            </m:ctrlPr>
+                          </m:dPr>
+                          <m:e>
+                            <m:r>
+                              <a:rPr lang="en-US" sz="2400" i="1" smtClean="0">
+                                <a:latin typeface="Cambria Math" panose="02040503050406030204" pitchFamily="18" charset="0"/>
+                              </a:rPr>
+                              <m:t>𝜔</m:t>
+                            </m:r>
+                          </m:e>
+                        </m:d>
+                        <m:sSup>
+                          <m:sSupPr>
+                            <m:ctrlPr>
+                              <a:rPr lang="en-US" sz="2400" i="1">
+                                <a:latin typeface="Cambria Math" panose="02040503050406030204" pitchFamily="18" charset="0"/>
+                              </a:rPr>
+                            </m:ctrlPr>
+                          </m:sSupPr>
+                          <m:e>
+                            <m:r>
+                              <a:rPr lang="en-US" sz="2400" i="1">
+                                <a:latin typeface="Cambria Math" panose="02040503050406030204" pitchFamily="18" charset="0"/>
+                              </a:rPr>
+                              <m:t>𝑒</m:t>
+                            </m:r>
+                          </m:e>
+                          <m:sup>
+                            <m:r>
+                              <a:rPr lang="en-US" sz="2400" i="1">
+                                <a:latin typeface="Cambria Math" panose="02040503050406030204" pitchFamily="18" charset="0"/>
+                              </a:rPr>
+                              <m:t>𝑖𝑥</m:t>
+                            </m:r>
+                            <m:r>
+                              <a:rPr lang="en-US" sz="2400" i="1">
+                                <a:latin typeface="Cambria Math" panose="02040503050406030204" pitchFamily="18" charset="0"/>
+                              </a:rPr>
+                              <m:t>𝜔</m:t>
+                            </m:r>
+                          </m:sup>
+                        </m:sSup>
+                      </m:e>
+                    </m:nary>
+                    <m:r>
+                      <a:rPr lang="pt-BR" sz="2400" i="1">
+                        <a:latin typeface="Cambria Math" panose="02040503050406030204" pitchFamily="18" charset="0"/>
+                      </a:rPr>
+                      <m:t>𝑑</m:t>
+                    </m:r>
+                    <m:r>
+                      <a:rPr lang="en-US" sz="2400" i="1" smtClean="0">
+                        <a:latin typeface="Cambria Math" panose="02040503050406030204" pitchFamily="18" charset="0"/>
+                      </a:rPr>
+                      <m:t>𝜔</m:t>
+                    </m:r>
+                  </m:oMath>
+                </a14:m>
+                <a:endParaRPr lang="ru-RU" sz="2400" dirty="0"/>
+              </a:p>
+            </p:txBody>
+          </p:sp>
+        </mc:Choice>
+        <mc:Fallback>
+          <p:sp>
+            <p:nvSpPr>
+              <p:cNvPr id="4" name="Объект 2"/>
+              <p:cNvSpPr txBox="1">
+                <a:spLocks noRot="1" noChangeAspect="1" noMove="1" noResize="1" noEditPoints="1" noAdjustHandles="1" noChangeArrowheads="1" noChangeShapeType="1" noTextEdit="1"/>
+              </p:cNvSpPr>
+              <p:nvPr/>
+            </p:nvSpPr>
+            <p:spPr>
+              <a:xfrm>
+                <a:off x="838199" y="1690688"/>
+                <a:ext cx="5745480" cy="2380615"/>
+              </a:xfrm>
+              <a:prstGeom prst="rect">
+                <a:avLst/>
+              </a:prstGeom>
+              <a:blipFill>
+                <a:blip r:embed="rId3"/>
+                <a:stretch>
+                  <a:fillRect l="-1591" t="-3581"/>
+                </a:stretch>
+              </a:blipFill>
+            </p:spPr>
+            <p:txBody>
+              <a:bodyPr/>
+              <a:lstStyle/>
+              <a:p>
+                <a:r>
+                  <a:rPr lang="ru-RU">
+                    <a:noFill/>
+                  </a:rPr>
+                  <a:t> </a:t>
+                </a:r>
+              </a:p>
+            </p:txBody>
+          </p:sp>
+        </mc:Fallback>
+      </mc:AlternateContent>
+      <p:sp>
+        <p:nvSpPr>
+          <p:cNvPr id="6" name="TextBox 5"/>
           <p:cNvSpPr txBox="1"/>
           <p:nvPr/>
         </p:nvSpPr>
         <p:spPr>
           <a:xfrm>
-            <a:off x="4239370" y="159028"/>
-            <a:ext cx="3713259" cy="369332"/>
+            <a:off x="6583679" y="2161234"/>
+            <a:ext cx="4858247" cy="3046988"/>
           </a:xfrm>
           <a:prstGeom prst="rect">
             <a:avLst/>
@@ -3091,15 +4661,1019 @@
           </a:bodyPr>
           <a:lstStyle/>
           <a:p>
-            <a:pPr algn="ctr"/>
+            <a:pPr marL="285750" indent="-285750">
+              <a:buFont typeface="Arial" panose="020B0604020202020204" pitchFamily="34" charset="0"/>
+              <a:buChar char="•"/>
+            </a:pPr>
+            <a:r>
+              <a:rPr lang="ru-RU" sz="3200" dirty="0" smtClean="0"/>
+              <a:t>Нечувствительно к изменениям во времени</a:t>
+            </a:r>
+          </a:p>
+          <a:p>
+            <a:pPr marL="285750" indent="-285750">
+              <a:buFont typeface="Arial" panose="020B0604020202020204" pitchFamily="34" charset="0"/>
+              <a:buChar char="•"/>
+            </a:pPr>
+            <a:r>
+              <a:rPr lang="ru-RU" sz="3200" dirty="0" smtClean="0"/>
+              <a:t>Поэтому не может отличить стационарный сигнал от нестационарного</a:t>
+            </a:r>
+            <a:endParaRPr lang="ru-RU" sz="3200" dirty="0"/>
+          </a:p>
+        </p:txBody>
+      </p:sp>
+    </p:spTree>
+    <p:extLst>
+      <p:ext uri="{BB962C8B-B14F-4D97-AF65-F5344CB8AC3E}">
+        <p14:creationId xmlns:p14="http://schemas.microsoft.com/office/powerpoint/2010/main" val="4271039289"/>
+      </p:ext>
+    </p:extLst>
+  </p:cSld>
+  <p:clrMapOvr>
+    <a:masterClrMapping/>
+  </p:clrMapOvr>
+</p:sld>
+</file>
+
+<file path=ppt/slides/slide4.xml><?xml version="1.0" encoding="utf-8"?>
+<p:sld xmlns:a="http://schemas.openxmlformats.org/drawingml/2006/main" xmlns:r="http://schemas.openxmlformats.org/officeDocument/2006/relationships" xmlns:p="http://schemas.openxmlformats.org/presentationml/2006/main">
+  <p:cSld>
+    <p:spTree>
+      <p:nvGrpSpPr>
+        <p:cNvPr id="1" name=""/>
+        <p:cNvGrpSpPr/>
+        <p:nvPr/>
+      </p:nvGrpSpPr>
+      <p:grpSpPr>
+        <a:xfrm>
+          <a:off x="0" y="0"/>
+          <a:ext cx="0" cy="0"/>
+          <a:chOff x="0" y="0"/>
+          <a:chExt cx="0" cy="0"/>
+        </a:xfrm>
+      </p:grpSpPr>
+      <p:sp>
+        <p:nvSpPr>
+          <p:cNvPr id="2" name="Заголовок 1"/>
+          <p:cNvSpPr>
+            <a:spLocks noGrp="1"/>
+          </p:cNvSpPr>
+          <p:nvPr>
+            <p:ph type="title"/>
+          </p:nvPr>
+        </p:nvSpPr>
+        <p:spPr/>
+        <p:txBody>
+          <a:bodyPr/>
+          <a:lstStyle/>
+          <a:p>
             <a:r>
               <a:rPr lang="ru-RU" dirty="0" smtClean="0"/>
-              <a:t>Основные семейства вейвлетов</a:t>
+              <a:t>Преобразование Фурье</a:t>
             </a:r>
             <a:endParaRPr lang="ru-RU" dirty="0"/>
           </a:p>
         </p:txBody>
       </p:sp>
+      <p:pic>
+        <p:nvPicPr>
+          <p:cNvPr id="4" name="Рисунок 3"/>
+          <p:cNvPicPr>
+            <a:picLocks noChangeAspect="1"/>
+          </p:cNvPicPr>
+          <p:nvPr/>
+        </p:nvPicPr>
+        <p:blipFill>
+          <a:blip r:embed="rId2">
+            <a:extLst>
+              <a:ext uri="{28A0092B-C50C-407E-A947-70E740481C1C}">
+                <a14:useLocalDpi xmlns:a14="http://schemas.microsoft.com/office/drawing/2010/main" val="0"/>
+              </a:ext>
+            </a:extLst>
+          </a:blip>
+          <a:stretch>
+            <a:fillRect/>
+          </a:stretch>
+        </p:blipFill>
+        <p:spPr>
+          <a:xfrm>
+            <a:off x="640080" y="1402080"/>
+            <a:ext cx="10911840" cy="5455920"/>
+          </a:xfrm>
+          <a:prstGeom prst="rect">
+            <a:avLst/>
+          </a:prstGeom>
+        </p:spPr>
+      </p:pic>
+    </p:spTree>
+    <p:extLst>
+      <p:ext uri="{BB962C8B-B14F-4D97-AF65-F5344CB8AC3E}">
+        <p14:creationId xmlns:p14="http://schemas.microsoft.com/office/powerpoint/2010/main" val="3567696675"/>
+      </p:ext>
+    </p:extLst>
+  </p:cSld>
+  <p:clrMapOvr>
+    <a:masterClrMapping/>
+  </p:clrMapOvr>
+</p:sld>
+</file>
+
+<file path=ppt/slides/slide5.xml><?xml version="1.0" encoding="utf-8"?>
+<p:sld xmlns:a="http://schemas.openxmlformats.org/drawingml/2006/main" xmlns:r="http://schemas.openxmlformats.org/officeDocument/2006/relationships" xmlns:p="http://schemas.openxmlformats.org/presentationml/2006/main">
+  <p:cSld>
+    <p:spTree>
+      <p:nvGrpSpPr>
+        <p:cNvPr id="1" name=""/>
+        <p:cNvGrpSpPr/>
+        <p:nvPr/>
+      </p:nvGrpSpPr>
+      <p:grpSpPr>
+        <a:xfrm>
+          <a:off x="0" y="0"/>
+          <a:ext cx="0" cy="0"/>
+          <a:chOff x="0" y="0"/>
+          <a:chExt cx="0" cy="0"/>
+        </a:xfrm>
+      </p:grpSpPr>
+      <p:sp>
+        <p:nvSpPr>
+          <p:cNvPr id="2" name="Заголовок 1"/>
+          <p:cNvSpPr>
+            <a:spLocks noGrp="1"/>
+          </p:cNvSpPr>
+          <p:nvPr>
+            <p:ph type="title"/>
+          </p:nvPr>
+        </p:nvSpPr>
+        <p:spPr/>
+        <p:txBody>
+          <a:bodyPr/>
+          <a:lstStyle/>
+          <a:p>
+            <a:r>
+              <a:rPr lang="ru-RU" dirty="0" smtClean="0"/>
+              <a:t>Преобразование Фурье</a:t>
+            </a:r>
+            <a:endParaRPr lang="ru-RU" dirty="0"/>
+          </a:p>
+        </p:txBody>
+      </p:sp>
+      <p:pic>
+        <p:nvPicPr>
+          <p:cNvPr id="4" name="Рисунок 3"/>
+          <p:cNvPicPr>
+            <a:picLocks noChangeAspect="1"/>
+          </p:cNvPicPr>
+          <p:nvPr/>
+        </p:nvPicPr>
+        <p:blipFill>
+          <a:blip r:embed="rId2">
+            <a:extLst>
+              <a:ext uri="{28A0092B-C50C-407E-A947-70E740481C1C}">
+                <a14:useLocalDpi xmlns:a14="http://schemas.microsoft.com/office/drawing/2010/main" val="0"/>
+              </a:ext>
+            </a:extLst>
+          </a:blip>
+          <a:stretch>
+            <a:fillRect/>
+          </a:stretch>
+        </p:blipFill>
+        <p:spPr>
+          <a:xfrm>
+            <a:off x="699715" y="1334494"/>
+            <a:ext cx="10792570" cy="5396285"/>
+          </a:xfrm>
+          <a:prstGeom prst="rect">
+            <a:avLst/>
+          </a:prstGeom>
+        </p:spPr>
+      </p:pic>
+    </p:spTree>
+    <p:extLst>
+      <p:ext uri="{BB962C8B-B14F-4D97-AF65-F5344CB8AC3E}">
+        <p14:creationId xmlns:p14="http://schemas.microsoft.com/office/powerpoint/2010/main" val="8407197"/>
+      </p:ext>
+    </p:extLst>
+  </p:cSld>
+  <p:clrMapOvr>
+    <a:masterClrMapping/>
+  </p:clrMapOvr>
+</p:sld>
+</file>
+
+<file path=ppt/slides/slide6.xml><?xml version="1.0" encoding="utf-8"?>
+<p:sld xmlns:a="http://schemas.openxmlformats.org/drawingml/2006/main" xmlns:r="http://schemas.openxmlformats.org/officeDocument/2006/relationships" xmlns:p="http://schemas.openxmlformats.org/presentationml/2006/main">
+  <p:cSld>
+    <p:spTree>
+      <p:nvGrpSpPr>
+        <p:cNvPr id="1" name=""/>
+        <p:cNvGrpSpPr/>
+        <p:nvPr/>
+      </p:nvGrpSpPr>
+      <p:grpSpPr>
+        <a:xfrm>
+          <a:off x="0" y="0"/>
+          <a:ext cx="0" cy="0"/>
+          <a:chOff x="0" y="0"/>
+          <a:chExt cx="0" cy="0"/>
+        </a:xfrm>
+      </p:grpSpPr>
+      <p:sp>
+        <p:nvSpPr>
+          <p:cNvPr id="2" name="Заголовок 1"/>
+          <p:cNvSpPr>
+            <a:spLocks noGrp="1"/>
+          </p:cNvSpPr>
+          <p:nvPr>
+            <p:ph type="title"/>
+          </p:nvPr>
+        </p:nvSpPr>
+        <p:spPr/>
+        <p:txBody>
+          <a:bodyPr/>
+          <a:lstStyle/>
+          <a:p>
+            <a:r>
+              <a:rPr lang="ru-RU" dirty="0" smtClean="0"/>
+              <a:t>Вейвлет-преобразование</a:t>
+            </a:r>
+            <a:endParaRPr lang="ru-RU" dirty="0"/>
+          </a:p>
+        </p:txBody>
+      </p:sp>
+      <mc:AlternateContent xmlns:mc="http://schemas.openxmlformats.org/markup-compatibility/2006">
+        <mc:Choice xmlns:a14="http://schemas.microsoft.com/office/drawing/2010/main" Requires="a14">
+          <p:sp>
+            <p:nvSpPr>
+              <p:cNvPr id="3" name="Объект 2"/>
+              <p:cNvSpPr>
+                <a:spLocks noGrp="1"/>
+              </p:cNvSpPr>
+              <p:nvPr>
+                <p:ph idx="1"/>
+              </p:nvPr>
+            </p:nvSpPr>
+            <p:spPr>
+              <a:xfrm>
+                <a:off x="838200" y="1446036"/>
+                <a:ext cx="4528930" cy="1273309"/>
+              </a:xfrm>
+            </p:spPr>
+            <p:txBody>
+              <a:bodyPr>
+                <a:normAutofit fontScale="92500" lnSpcReduction="10000"/>
+              </a:bodyPr>
+              <a:lstStyle/>
+              <a:p>
+                <a:pPr marL="0" indent="0">
+                  <a:buNone/>
+                </a:pPr>
+                <a:r>
+                  <a:rPr lang="ru-RU" sz="2000" dirty="0" smtClean="0"/>
+                  <a:t>Непрерывное</a:t>
+                </a:r>
+              </a:p>
+              <a:p>
+                <a:pPr marL="0" indent="0">
+                  <a:buNone/>
+                </a:pPr>
+                <a:r>
+                  <a:rPr lang="en-US" sz="2000" dirty="0" smtClean="0"/>
+                  <a:t>F</a:t>
+                </a:r>
+                <a14:m>
+                  <m:oMath xmlns:m="http://schemas.openxmlformats.org/officeDocument/2006/math">
+                    <m:r>
+                      <a:rPr lang="en-US" sz="2000" i="1">
+                        <a:latin typeface="Cambria Math" panose="02040503050406030204" pitchFamily="18" charset="0"/>
+                      </a:rPr>
+                      <m:t>(</m:t>
+                    </m:r>
+                    <m:r>
+                      <a:rPr lang="en-US" sz="2000" i="1">
+                        <a:latin typeface="Cambria Math" panose="02040503050406030204" pitchFamily="18" charset="0"/>
+                      </a:rPr>
+                      <m:t>𝜔</m:t>
+                    </m:r>
+                    <m:r>
+                      <a:rPr lang="en-US" sz="2000" b="0" i="1" smtClean="0">
+                        <a:latin typeface="Cambria Math" panose="02040503050406030204" pitchFamily="18" charset="0"/>
+                      </a:rPr>
+                      <m:t>,  </m:t>
+                    </m:r>
+                    <m:r>
+                      <a:rPr lang="en-US" sz="2000" b="0" i="1" smtClean="0">
+                        <a:latin typeface="Cambria Math" panose="02040503050406030204" pitchFamily="18" charset="0"/>
+                      </a:rPr>
+                      <m:t>𝜏</m:t>
+                    </m:r>
+                    <m:r>
+                      <a:rPr lang="en-US" sz="2000" i="1">
+                        <a:latin typeface="Cambria Math" panose="02040503050406030204" pitchFamily="18" charset="0"/>
+                      </a:rPr>
+                      <m:t>)=</m:t>
+                    </m:r>
+                    <m:f>
+                      <m:fPr>
+                        <m:ctrlPr>
+                          <a:rPr lang="pt-BR" sz="2000" i="1">
+                            <a:latin typeface="Cambria Math" panose="02040503050406030204" pitchFamily="18" charset="0"/>
+                          </a:rPr>
+                        </m:ctrlPr>
+                      </m:fPr>
+                      <m:num>
+                        <m:r>
+                          <a:rPr lang="en-US" sz="2000" i="1">
+                            <a:latin typeface="Cambria Math" panose="02040503050406030204" pitchFamily="18" charset="0"/>
+                          </a:rPr>
+                          <m:t>1</m:t>
+                        </m:r>
+                      </m:num>
+                      <m:den>
+                        <m:r>
+                          <a:rPr lang="en-US" sz="2000" i="1">
+                            <a:latin typeface="Cambria Math" panose="02040503050406030204" pitchFamily="18" charset="0"/>
+                          </a:rPr>
+                          <m:t>√</m:t>
+                        </m:r>
+                        <m:r>
+                          <a:rPr lang="en-US" sz="2000" b="0" i="1" smtClean="0">
+                            <a:latin typeface="Cambria Math" panose="02040503050406030204" pitchFamily="18" charset="0"/>
+                          </a:rPr>
+                          <m:t>|</m:t>
+                        </m:r>
+                        <m:r>
+                          <a:rPr lang="en-US" sz="2000" b="0" i="1" smtClean="0">
+                            <a:latin typeface="Cambria Math" panose="02040503050406030204" pitchFamily="18" charset="0"/>
+                          </a:rPr>
+                          <m:t>𝑠</m:t>
+                        </m:r>
+                        <m:r>
+                          <a:rPr lang="en-US" sz="2000" b="0" i="1" smtClean="0">
+                            <a:latin typeface="Cambria Math" panose="02040503050406030204" pitchFamily="18" charset="0"/>
+                          </a:rPr>
+                          <m:t>|</m:t>
+                        </m:r>
+                      </m:den>
+                    </m:f>
+                    <m:nary>
+                      <m:naryPr>
+                        <m:limLoc m:val="undOvr"/>
+                        <m:ctrlPr>
+                          <a:rPr lang="pt-BR" sz="2000" i="1">
+                            <a:latin typeface="Cambria Math" panose="02040503050406030204" pitchFamily="18" charset="0"/>
+                          </a:rPr>
+                        </m:ctrlPr>
+                      </m:naryPr>
+                      <m:sub>
+                        <m:r>
+                          <m:rPr>
+                            <m:brk m:alnAt="24"/>
+                          </m:rPr>
+                          <a:rPr lang="en-US" sz="2000" i="1">
+                            <a:latin typeface="Cambria Math" panose="02040503050406030204" pitchFamily="18" charset="0"/>
+                          </a:rPr>
+                          <m:t>−</m:t>
+                        </m:r>
+                        <m:r>
+                          <a:rPr lang="en-US" sz="2000" i="1">
+                            <a:latin typeface="Cambria Math" panose="02040503050406030204" pitchFamily="18" charset="0"/>
+                            <a:ea typeface="Cambria Math" panose="02040503050406030204" pitchFamily="18" charset="0"/>
+                          </a:rPr>
+                          <m:t>∞</m:t>
+                        </m:r>
+                      </m:sub>
+                      <m:sup>
+                        <m:r>
+                          <a:rPr lang="en-US" sz="2000" i="1">
+                            <a:latin typeface="Cambria Math" panose="02040503050406030204" pitchFamily="18" charset="0"/>
+                          </a:rPr>
+                          <m:t>+</m:t>
+                        </m:r>
+                        <m:r>
+                          <a:rPr lang="en-US" sz="2000" i="1">
+                            <a:latin typeface="Cambria Math" panose="02040503050406030204" pitchFamily="18" charset="0"/>
+                            <a:ea typeface="Cambria Math" panose="02040503050406030204" pitchFamily="18" charset="0"/>
+                          </a:rPr>
+                          <m:t>∞</m:t>
+                        </m:r>
+                      </m:sup>
+                      <m:e>
+                        <m:r>
+                          <a:rPr lang="en-US" sz="2000" i="1">
+                            <a:latin typeface="Cambria Math" panose="02040503050406030204" pitchFamily="18" charset="0"/>
+                          </a:rPr>
+                          <m:t>𝑓</m:t>
+                        </m:r>
+                        <m:d>
+                          <m:dPr>
+                            <m:ctrlPr>
+                              <a:rPr lang="en-US" sz="2000" i="1" smtClean="0">
+                                <a:latin typeface="Cambria Math" panose="02040503050406030204" pitchFamily="18" charset="0"/>
+                              </a:rPr>
+                            </m:ctrlPr>
+                          </m:dPr>
+                          <m:e>
+                            <m:r>
+                              <a:rPr lang="en-US" sz="2000" i="1">
+                                <a:latin typeface="Cambria Math" panose="02040503050406030204" pitchFamily="18" charset="0"/>
+                              </a:rPr>
+                              <m:t>𝑥</m:t>
+                            </m:r>
+                          </m:e>
+                        </m:d>
+                        <m:sSup>
+                          <m:sSupPr>
+                            <m:ctrlPr>
+                              <a:rPr lang="en-US" sz="2000" i="1" smtClean="0">
+                                <a:latin typeface="Cambria Math" panose="02040503050406030204" pitchFamily="18" charset="0"/>
+                              </a:rPr>
+                            </m:ctrlPr>
+                          </m:sSupPr>
+                          <m:e>
+                            <m:r>
+                              <m:rPr>
+                                <m:sty m:val="p"/>
+                              </m:rPr>
+                              <a:rPr lang="en-US" sz="2000">
+                                <a:latin typeface="Cambria Math" panose="02040503050406030204" pitchFamily="18" charset="0"/>
+                              </a:rPr>
+                              <m:t>Ψ</m:t>
+                            </m:r>
+                          </m:e>
+                          <m:sup>
+                            <m:r>
+                              <a:rPr lang="en-US" sz="2000" b="0" i="1" smtClean="0">
+                                <a:latin typeface="Cambria Math" panose="02040503050406030204" pitchFamily="18" charset="0"/>
+                              </a:rPr>
+                              <m:t>∗</m:t>
+                            </m:r>
+                          </m:sup>
+                        </m:sSup>
+                        <m:d>
+                          <m:dPr>
+                            <m:ctrlPr>
+                              <a:rPr lang="en-US" sz="2000" b="0" i="1" smtClean="0">
+                                <a:latin typeface="Cambria Math" panose="02040503050406030204" pitchFamily="18" charset="0"/>
+                              </a:rPr>
+                            </m:ctrlPr>
+                          </m:dPr>
+                          <m:e>
+                            <m:f>
+                              <m:fPr>
+                                <m:ctrlPr>
+                                  <a:rPr lang="en-US" sz="2000" b="0" i="1" smtClean="0">
+                                    <a:latin typeface="Cambria Math" panose="02040503050406030204" pitchFamily="18" charset="0"/>
+                                  </a:rPr>
+                                </m:ctrlPr>
+                              </m:fPr>
+                              <m:num>
+                                <m:r>
+                                  <a:rPr lang="en-US" sz="2000" b="0" i="1" smtClean="0">
+                                    <a:latin typeface="Cambria Math" panose="02040503050406030204" pitchFamily="18" charset="0"/>
+                                  </a:rPr>
+                                  <m:t>𝑡</m:t>
+                                </m:r>
+                                <m:r>
+                                  <a:rPr lang="en-US" sz="2000" b="0" i="1" smtClean="0">
+                                    <a:latin typeface="Cambria Math" panose="02040503050406030204" pitchFamily="18" charset="0"/>
+                                  </a:rPr>
+                                  <m:t> −</m:t>
+                                </m:r>
+                                <m:r>
+                                  <a:rPr lang="en-US" sz="2000" b="0" i="1" smtClean="0">
+                                    <a:latin typeface="Cambria Math" panose="02040503050406030204" pitchFamily="18" charset="0"/>
+                                  </a:rPr>
+                                  <m:t>𝜏</m:t>
+                                </m:r>
+                              </m:num>
+                              <m:den>
+                                <m:r>
+                                  <a:rPr lang="en-US" sz="2000" b="0" i="1" smtClean="0">
+                                    <a:latin typeface="Cambria Math" panose="02040503050406030204" pitchFamily="18" charset="0"/>
+                                  </a:rPr>
+                                  <m:t>𝑠</m:t>
+                                </m:r>
+                              </m:den>
+                            </m:f>
+                          </m:e>
+                        </m:d>
+                        <m:r>
+                          <a:rPr lang="pt-BR" sz="2000" i="1">
+                            <a:latin typeface="Cambria Math" panose="02040503050406030204" pitchFamily="18" charset="0"/>
+                          </a:rPr>
+                          <m:t>𝑑</m:t>
+                        </m:r>
+                        <m:r>
+                          <a:rPr lang="en-US" sz="2000" i="1">
+                            <a:latin typeface="Cambria Math" panose="02040503050406030204" pitchFamily="18" charset="0"/>
+                          </a:rPr>
+                          <m:t>𝑥</m:t>
+                        </m:r>
+                      </m:e>
+                    </m:nary>
+                  </m:oMath>
+                </a14:m>
+                <a:r>
+                  <a:rPr lang="en-US" sz="2000" dirty="0" smtClean="0"/>
+                  <a:t>,     </a:t>
+                </a:r>
+              </a:p>
+              <a:p>
+                <a:pPr marL="0" indent="0">
+                  <a:buNone/>
+                </a:pPr>
+                <a:r>
+                  <a:rPr lang="en-US" sz="2000" dirty="0" smtClean="0"/>
+                  <a:t>s — </a:t>
+                </a:r>
+                <a:r>
+                  <a:rPr lang="ru-RU" sz="2000" dirty="0" smtClean="0"/>
+                  <a:t>масштаб</a:t>
+                </a:r>
+                <a:r>
+                  <a:rPr lang="en-US" sz="2000" dirty="0" smtClean="0"/>
+                  <a:t> </a:t>
+                </a:r>
+                <a:endParaRPr lang="en-US" sz="2000" dirty="0"/>
+              </a:p>
+              <a:p>
+                <a:pPr marL="0" indent="0">
+                  <a:buNone/>
+                </a:pPr>
+                <a:endParaRPr lang="ru-RU" dirty="0"/>
+              </a:p>
+            </p:txBody>
+          </p:sp>
+        </mc:Choice>
+        <mc:Fallback>
+          <p:sp>
+            <p:nvSpPr>
+              <p:cNvPr id="3" name="Объект 2"/>
+              <p:cNvSpPr>
+                <a:spLocks noGrp="1" noRot="1" noChangeAspect="1" noMove="1" noResize="1" noEditPoints="1" noAdjustHandles="1" noChangeArrowheads="1" noChangeShapeType="1" noTextEdit="1"/>
+              </p:cNvSpPr>
+              <p:nvPr>
+                <p:ph idx="1"/>
+              </p:nvPr>
+            </p:nvSpPr>
+            <p:spPr>
+              <a:xfrm>
+                <a:off x="838200" y="1446036"/>
+                <a:ext cx="4528930" cy="1273309"/>
+              </a:xfrm>
+              <a:blipFill>
+                <a:blip r:embed="rId2"/>
+                <a:stretch>
+                  <a:fillRect l="-1348" t="-16746" b="-27751"/>
+                </a:stretch>
+              </a:blipFill>
+            </p:spPr>
+            <p:txBody>
+              <a:bodyPr/>
+              <a:lstStyle/>
+              <a:p>
+                <a:r>
+                  <a:rPr lang="ru-RU">
+                    <a:noFill/>
+                  </a:rPr>
+                  <a:t> </a:t>
+                </a:r>
+              </a:p>
+            </p:txBody>
+          </p:sp>
+        </mc:Fallback>
+      </mc:AlternateContent>
+      <p:pic>
+        <p:nvPicPr>
+          <p:cNvPr id="6" name="Рисунок 5"/>
+          <p:cNvPicPr>
+            <a:picLocks noChangeAspect="1"/>
+          </p:cNvPicPr>
+          <p:nvPr/>
+        </p:nvPicPr>
+        <p:blipFill>
+          <a:blip r:embed="rId3">
+            <a:extLst>
+              <a:ext uri="{28A0092B-C50C-407E-A947-70E740481C1C}">
+                <a14:useLocalDpi xmlns:a14="http://schemas.microsoft.com/office/drawing/2010/main" val="0"/>
+              </a:ext>
+            </a:extLst>
+          </a:blip>
+          <a:stretch>
+            <a:fillRect/>
+          </a:stretch>
+        </p:blipFill>
+        <p:spPr>
+          <a:xfrm>
+            <a:off x="6429375" y="5060095"/>
+            <a:ext cx="4457700" cy="1238250"/>
+          </a:xfrm>
+          <a:prstGeom prst="rect">
+            <a:avLst/>
+          </a:prstGeom>
+        </p:spPr>
+      </p:pic>
+      <p:sp>
+        <p:nvSpPr>
+          <p:cNvPr id="7" name="TextBox 6"/>
+          <p:cNvSpPr txBox="1"/>
+          <p:nvPr/>
+        </p:nvSpPr>
+        <p:spPr>
+          <a:xfrm>
+            <a:off x="838200" y="3310653"/>
+            <a:ext cx="3901771" cy="523220"/>
+          </a:xfrm>
+          <a:prstGeom prst="rect">
+            <a:avLst/>
+          </a:prstGeom>
+          <a:noFill/>
+        </p:spPr>
+        <p:txBody>
+          <a:bodyPr wrap="square" rtlCol="0">
+            <a:spAutoFit/>
+          </a:bodyPr>
+          <a:lstStyle/>
+          <a:p>
+            <a:r>
+              <a:rPr lang="ru-RU" sz="2800" dirty="0" smtClean="0"/>
+              <a:t>Дискретное</a:t>
+            </a:r>
+            <a:endParaRPr lang="ru-RU" sz="2800" dirty="0"/>
+          </a:p>
+        </p:txBody>
+      </p:sp>
+      <mc:AlternateContent xmlns:mc="http://schemas.openxmlformats.org/markup-compatibility/2006">
+        <mc:Choice xmlns:a14="http://schemas.microsoft.com/office/drawing/2010/main" Requires="a14">
+          <p:sp>
+            <p:nvSpPr>
+              <p:cNvPr id="8" name="TextBox 7"/>
+              <p:cNvSpPr txBox="1"/>
+              <p:nvPr/>
+            </p:nvSpPr>
+            <p:spPr>
+              <a:xfrm>
+                <a:off x="838200" y="4092952"/>
+                <a:ext cx="4528930" cy="1586268"/>
+              </a:xfrm>
+              <a:prstGeom prst="rect">
+                <a:avLst/>
+              </a:prstGeom>
+              <a:noFill/>
+            </p:spPr>
+            <p:txBody>
+              <a:bodyPr wrap="square" lIns="0" tIns="0" rIns="0" bIns="0" rtlCol="0">
+                <a:spAutoFit/>
+              </a:bodyPr>
+              <a:lstStyle/>
+              <a:p>
+                <a:r>
+                  <a:rPr lang="ru-RU" dirty="0" smtClean="0"/>
+                  <a:t>Основа – получение свёртки вида </a:t>
+                </a:r>
+              </a:p>
+              <a:p>
+                <a14:m>
+                  <m:oMathPara xmlns:m="http://schemas.openxmlformats.org/officeDocument/2006/math">
+                    <m:oMathParaPr>
+                      <m:jc m:val="centerGroup"/>
+                    </m:oMathParaPr>
+                    <m:oMath xmlns:m="http://schemas.openxmlformats.org/officeDocument/2006/math">
+                      <m:sSub>
+                        <m:sSubPr>
+                          <m:ctrlPr>
+                            <a:rPr lang="en-US" i="1">
+                              <a:latin typeface="Cambria Math" panose="02040503050406030204" pitchFamily="18" charset="0"/>
+                            </a:rPr>
+                          </m:ctrlPr>
+                        </m:sSubPr>
+                        <m:e>
+                          <m:r>
+                            <a:rPr lang="en-US" i="1">
+                              <a:latin typeface="Cambria Math" panose="02040503050406030204" pitchFamily="18" charset="0"/>
+                            </a:rPr>
+                            <m:t>𝑥</m:t>
+                          </m:r>
+                        </m:e>
+                        <m:sub>
+                          <m:r>
+                            <a:rPr lang="en-US" i="1">
+                              <a:latin typeface="Cambria Math" panose="02040503050406030204" pitchFamily="18" charset="0"/>
+                            </a:rPr>
+                            <m:t>𝑛</m:t>
+                          </m:r>
+                        </m:sub>
+                      </m:sSub>
+                      <m:r>
+                        <a:rPr lang="en-US" i="1">
+                          <a:latin typeface="Cambria Math" panose="02040503050406030204" pitchFamily="18" charset="0"/>
+                        </a:rPr>
+                        <m:t>= </m:t>
+                      </m:r>
+                      <m:nary>
+                        <m:naryPr>
+                          <m:chr m:val="∑"/>
+                          <m:ctrlPr>
+                            <a:rPr lang="pt-BR" i="1">
+                              <a:latin typeface="Cambria Math" panose="02040503050406030204" pitchFamily="18" charset="0"/>
+                            </a:rPr>
+                          </m:ctrlPr>
+                        </m:naryPr>
+                        <m:sub>
+                          <m:r>
+                            <m:rPr>
+                              <m:brk m:alnAt="23"/>
+                            </m:rPr>
+                            <a:rPr lang="en-US" i="1">
+                              <a:latin typeface="Cambria Math" panose="02040503050406030204" pitchFamily="18" charset="0"/>
+                            </a:rPr>
+                            <m:t>𝑘</m:t>
+                          </m:r>
+                          <m:r>
+                            <a:rPr lang="pt-BR" i="1">
+                              <a:latin typeface="Cambria Math" panose="02040503050406030204" pitchFamily="18" charset="0"/>
+                            </a:rPr>
+                            <m:t>=</m:t>
+                          </m:r>
+                          <m:r>
+                            <a:rPr lang="en-US" i="1">
+                              <a:latin typeface="Cambria Math" panose="02040503050406030204" pitchFamily="18" charset="0"/>
+                            </a:rPr>
+                            <m:t>−</m:t>
+                          </m:r>
+                          <m:r>
+                            <a:rPr lang="en-US" i="1">
+                              <a:latin typeface="Cambria Math" panose="02040503050406030204" pitchFamily="18" charset="0"/>
+                              <a:ea typeface="Cambria Math" panose="02040503050406030204" pitchFamily="18" charset="0"/>
+                            </a:rPr>
+                            <m:t>∞</m:t>
+                          </m:r>
+                        </m:sub>
+                        <m:sup>
+                          <m:r>
+                            <a:rPr lang="pt-BR" i="1">
+                              <a:latin typeface="Cambria Math" panose="02040503050406030204" pitchFamily="18" charset="0"/>
+                            </a:rPr>
+                            <m:t>∞</m:t>
+                          </m:r>
+                        </m:sup>
+                        <m:e>
+                          <m:sSub>
+                            <m:sSubPr>
+                              <m:ctrlPr>
+                                <a:rPr lang="en-US" i="1" smtClean="0">
+                                  <a:latin typeface="Cambria Math" panose="02040503050406030204" pitchFamily="18" charset="0"/>
+                                </a:rPr>
+                              </m:ctrlPr>
+                            </m:sSubPr>
+                            <m:e>
+                              <m:r>
+                                <a:rPr lang="en-US" b="0" i="1" smtClean="0">
+                                  <a:latin typeface="Cambria Math" panose="02040503050406030204" pitchFamily="18" charset="0"/>
+                                </a:rPr>
+                                <m:t>𝑥</m:t>
+                              </m:r>
+                            </m:e>
+                            <m:sub>
+                              <m:r>
+                                <a:rPr lang="en-US" b="0" i="1" smtClean="0">
+                                  <a:latin typeface="Cambria Math" panose="02040503050406030204" pitchFamily="18" charset="0"/>
+                                </a:rPr>
+                                <m:t>𝑘</m:t>
+                              </m:r>
+                            </m:sub>
+                          </m:sSub>
+                          <m:r>
+                            <a:rPr lang="en-US" i="1" smtClean="0">
+                              <a:latin typeface="Cambria Math" panose="02040503050406030204" pitchFamily="18" charset="0"/>
+                            </a:rPr>
+                            <m:t> </m:t>
+                          </m:r>
+                          <m:sSub>
+                            <m:sSubPr>
+                              <m:ctrlPr>
+                                <a:rPr lang="en-US" i="1" smtClean="0">
+                                  <a:latin typeface="Cambria Math" panose="02040503050406030204" pitchFamily="18" charset="0"/>
+                                </a:rPr>
+                              </m:ctrlPr>
+                            </m:sSubPr>
+                            <m:e>
+                              <m:r>
+                                <a:rPr lang="en-US" b="0" i="1" smtClean="0">
+                                  <a:latin typeface="Cambria Math" panose="02040503050406030204" pitchFamily="18" charset="0"/>
+                                </a:rPr>
+                                <m:t>𝑔</m:t>
+                              </m:r>
+                            </m:e>
+                            <m:sub>
+                              <m:r>
+                                <a:rPr lang="en-US" b="0" i="1" smtClean="0">
+                                  <a:latin typeface="Cambria Math" panose="02040503050406030204" pitchFamily="18" charset="0"/>
+                                </a:rPr>
+                                <m:t>𝑛</m:t>
+                              </m:r>
+                              <m:r>
+                                <a:rPr lang="en-US" b="0" i="1" smtClean="0">
+                                  <a:latin typeface="Cambria Math" panose="02040503050406030204" pitchFamily="18" charset="0"/>
+                                </a:rPr>
+                                <m:t>−</m:t>
+                              </m:r>
+                              <m:r>
+                                <a:rPr lang="en-US" b="0" i="1" smtClean="0">
+                                  <a:latin typeface="Cambria Math" panose="02040503050406030204" pitchFamily="18" charset="0"/>
+                                </a:rPr>
+                                <m:t>𝑘</m:t>
+                              </m:r>
+                            </m:sub>
+                          </m:sSub>
+                        </m:e>
+                      </m:nary>
+                    </m:oMath>
+                  </m:oMathPara>
+                </a14:m>
+                <a:endParaRPr lang="ru-RU" dirty="0" smtClean="0"/>
+              </a:p>
+              <a:p>
+                <a:r>
+                  <a:rPr lang="ru-RU" dirty="0"/>
+                  <a:t>г</a:t>
+                </a:r>
+                <a:r>
+                  <a:rPr lang="ru-RU" dirty="0" smtClean="0"/>
+                  <a:t>де </a:t>
+                </a:r>
+                <a:r>
+                  <a:rPr lang="en-US" dirty="0" smtClean="0"/>
+                  <a:t>x</a:t>
+                </a:r>
+                <a:r>
+                  <a:rPr lang="ru-RU" dirty="0" smtClean="0"/>
+                  <a:t> – </a:t>
+                </a:r>
+                <a:r>
+                  <a:rPr lang="ru-RU" dirty="0" err="1" smtClean="0"/>
+                  <a:t>сэмпл</a:t>
+                </a:r>
+                <a:r>
+                  <a:rPr lang="en-US" dirty="0" smtClean="0"/>
+                  <a:t>, g –</a:t>
+                </a:r>
+                <a:r>
+                  <a:rPr lang="ru-RU" dirty="0" smtClean="0"/>
+                  <a:t> коэффициент фильтра</a:t>
+                </a:r>
+                <a:r>
+                  <a:rPr lang="en-US" dirty="0" smtClean="0"/>
+                  <a:t>, </a:t>
+                </a:r>
+                <a:r>
+                  <a:rPr lang="ru-RU" dirty="0" smtClean="0"/>
+                  <a:t>полученный из </a:t>
+                </a:r>
+                <a:r>
+                  <a:rPr lang="ru-RU" dirty="0" err="1" smtClean="0"/>
+                  <a:t>вейвлета</a:t>
+                </a:r>
+                <a:r>
+                  <a:rPr lang="ru-RU" dirty="0" smtClean="0"/>
+                  <a:t>.</a:t>
+                </a:r>
+                <a:endParaRPr lang="ru-RU" dirty="0"/>
+              </a:p>
+            </p:txBody>
+          </p:sp>
+        </mc:Choice>
+        <mc:Fallback>
+          <p:sp>
+            <p:nvSpPr>
+              <p:cNvPr id="8" name="TextBox 7"/>
+              <p:cNvSpPr txBox="1">
+                <a:spLocks noRot="1" noChangeAspect="1" noMove="1" noResize="1" noEditPoints="1" noAdjustHandles="1" noChangeArrowheads="1" noChangeShapeType="1" noTextEdit="1"/>
+              </p:cNvSpPr>
+              <p:nvPr/>
+            </p:nvSpPr>
+            <p:spPr>
+              <a:xfrm>
+                <a:off x="838200" y="4092952"/>
+                <a:ext cx="4528930" cy="1586268"/>
+              </a:xfrm>
+              <a:prstGeom prst="rect">
+                <a:avLst/>
+              </a:prstGeom>
+              <a:blipFill>
+                <a:blip r:embed="rId4"/>
+                <a:stretch>
+                  <a:fillRect l="-3235" t="-4981" b="-8046"/>
+                </a:stretch>
+              </a:blipFill>
+            </p:spPr>
+            <p:txBody>
+              <a:bodyPr/>
+              <a:lstStyle/>
+              <a:p>
+                <a:r>
+                  <a:rPr lang="ru-RU">
+                    <a:noFill/>
+                  </a:rPr>
+                  <a:t> </a:t>
+                </a:r>
+              </a:p>
+            </p:txBody>
+          </p:sp>
+        </mc:Fallback>
+      </mc:AlternateContent>
+      <p:pic>
+        <p:nvPicPr>
+          <p:cNvPr id="10" name="Рисунок 9"/>
+          <p:cNvPicPr>
+            <a:picLocks noChangeAspect="1"/>
+          </p:cNvPicPr>
+          <p:nvPr/>
+        </p:nvPicPr>
+        <p:blipFill>
+          <a:blip r:embed="rId5">
+            <a:extLst>
+              <a:ext uri="{28A0092B-C50C-407E-A947-70E740481C1C}">
+                <a14:useLocalDpi xmlns:a14="http://schemas.microsoft.com/office/drawing/2010/main" val="0"/>
+              </a:ext>
+            </a:extLst>
+          </a:blip>
+          <a:stretch>
+            <a:fillRect/>
+          </a:stretch>
+        </p:blipFill>
+        <p:spPr>
+          <a:xfrm>
+            <a:off x="5962650" y="3111035"/>
+            <a:ext cx="5391150" cy="1647825"/>
+          </a:xfrm>
+          <a:prstGeom prst="rect">
+            <a:avLst/>
+          </a:prstGeom>
+        </p:spPr>
+      </p:pic>
+      <p:pic>
+        <p:nvPicPr>
+          <p:cNvPr id="11" name="Рисунок 10"/>
+          <p:cNvPicPr>
+            <a:picLocks noChangeAspect="1"/>
+          </p:cNvPicPr>
+          <p:nvPr/>
+        </p:nvPicPr>
+        <p:blipFill>
+          <a:blip r:embed="rId6">
+            <a:extLst>
+              <a:ext uri="{28A0092B-C50C-407E-A947-70E740481C1C}">
+                <a14:useLocalDpi xmlns:a14="http://schemas.microsoft.com/office/drawing/2010/main" val="0"/>
+              </a:ext>
+            </a:extLst>
+          </a:blip>
+          <a:stretch>
+            <a:fillRect/>
+          </a:stretch>
+        </p:blipFill>
+        <p:spPr>
+          <a:xfrm>
+            <a:off x="6912665" y="1379268"/>
+            <a:ext cx="2895600" cy="1581150"/>
+          </a:xfrm>
+          <a:prstGeom prst="rect">
+            <a:avLst/>
+          </a:prstGeom>
+        </p:spPr>
+      </p:pic>
+    </p:spTree>
+    <p:extLst>
+      <p:ext uri="{BB962C8B-B14F-4D97-AF65-F5344CB8AC3E}">
+        <p14:creationId xmlns:p14="http://schemas.microsoft.com/office/powerpoint/2010/main" val="104959093"/>
+      </p:ext>
+    </p:extLst>
+  </p:cSld>
+  <p:clrMapOvr>
+    <a:masterClrMapping/>
+  </p:clrMapOvr>
+</p:sld>
+</file>
+
+<file path=ppt/slides/slide7.xml><?xml version="1.0" encoding="utf-8"?>
+<p:sld xmlns:a="http://schemas.openxmlformats.org/drawingml/2006/main" xmlns:r="http://schemas.openxmlformats.org/officeDocument/2006/relationships" xmlns:p="http://schemas.openxmlformats.org/presentationml/2006/main">
+  <p:cSld>
+    <p:spTree>
+      <p:nvGrpSpPr>
+        <p:cNvPr id="1" name=""/>
+        <p:cNvGrpSpPr/>
+        <p:nvPr/>
+      </p:nvGrpSpPr>
+      <p:grpSpPr>
+        <a:xfrm>
+          <a:off x="0" y="0"/>
+          <a:ext cx="0" cy="0"/>
+          <a:chOff x="0" y="0"/>
+          <a:chExt cx="0" cy="0"/>
+        </a:xfrm>
+      </p:grpSpPr>
       <p:pic>
         <p:nvPicPr>
           <p:cNvPr id="12" name="Рисунок 11"/>
@@ -3130,6 +5704,38 @@
           </a:prstGeom>
         </p:spPr>
       </p:pic>
+      <p:sp>
+        <p:nvSpPr>
+          <p:cNvPr id="4" name="Заголовок 1"/>
+          <p:cNvSpPr>
+            <a:spLocks noGrp="1"/>
+          </p:cNvSpPr>
+          <p:nvPr>
+            <p:ph type="title"/>
+          </p:nvPr>
+        </p:nvSpPr>
+        <p:spPr>
+          <a:xfrm>
+            <a:off x="1036982" y="158307"/>
+            <a:ext cx="8743122" cy="740106"/>
+          </a:xfrm>
+        </p:spPr>
+        <p:txBody>
+          <a:bodyPr/>
+          <a:lstStyle/>
+          <a:p>
+            <a:r>
+              <a:rPr lang="ru-RU" dirty="0" smtClean="0"/>
+              <a:t>Основные </a:t>
+            </a:r>
+            <a:r>
+              <a:rPr lang="ru-RU" dirty="0" err="1" smtClean="0"/>
+              <a:t>вейвлеты</a:t>
+            </a:r>
+            <a:endParaRPr lang="ru-RU" dirty="0"/>
+          </a:p>
+        </p:txBody>
+      </p:sp>
     </p:spTree>
     <p:extLst>
       <p:ext uri="{BB962C8B-B14F-4D97-AF65-F5344CB8AC3E}">
@@ -3140,10 +5746,17 @@
   <p:clrMapOvr>
     <a:masterClrMapping/>
   </p:clrMapOvr>
+  <p:timing>
+    <p:tnLst>
+      <p:par>
+        <p:cTn id="1" dur="indefinite" restart="never" nodeType="tmRoot"/>
+      </p:par>
+    </p:tnLst>
+  </p:timing>
 </p:sld>
 </file>
 
-<file path=ppt/slides/slide3.xml><?xml version="1.0" encoding="utf-8"?>
+<file path=ppt/slides/slide8.xml><?xml version="1.0" encoding="utf-8"?>
 <p:sld xmlns:a="http://schemas.openxmlformats.org/drawingml/2006/main" xmlns:r="http://schemas.openxmlformats.org/officeDocument/2006/relationships" xmlns:p="http://schemas.openxmlformats.org/presentationml/2006/main">
   <p:cSld>
     <p:spTree>
@@ -3175,10 +5788,9 @@
           <a:bodyPr/>
           <a:lstStyle/>
           <a:p>
-            <a:pPr algn="ctr"/>
             <a:r>
               <a:rPr lang="ru-RU" dirty="0" smtClean="0"/>
-              <a:t>Исходники и материалы</a:t>
+              <a:t>Вейвлет-преобразование</a:t>
             </a:r>
             <a:endParaRPr lang="ru-RU" dirty="0"/>
           </a:p>
@@ -3186,7 +5798,7 @@
       </p:sp>
       <p:pic>
         <p:nvPicPr>
-          <p:cNvPr id="4" name="Рисунок 3"/>
+          <p:cNvPr id="7" name="Рисунок 6"/>
           <p:cNvPicPr>
             <a:picLocks noChangeAspect="1"/>
           </p:cNvPicPr>
@@ -3206,50 +5818,105 @@
         </p:blipFill>
         <p:spPr>
           <a:xfrm>
-            <a:off x="4333874" y="1690688"/>
-            <a:ext cx="3524250" cy="3524250"/>
+            <a:off x="2042911" y="1690688"/>
+            <a:ext cx="8106177" cy="4951854"/>
           </a:xfrm>
           <a:prstGeom prst="rect">
             <a:avLst/>
           </a:prstGeom>
         </p:spPr>
       </p:pic>
-      <p:sp>
-        <p:nvSpPr>
-          <p:cNvPr id="5" name="TextBox 4"/>
-          <p:cNvSpPr txBox="1"/>
+    </p:spTree>
+    <p:extLst>
+      <p:ext uri="{BB962C8B-B14F-4D97-AF65-F5344CB8AC3E}">
+        <p14:creationId xmlns:p14="http://schemas.microsoft.com/office/powerpoint/2010/main" val="3313780500"/>
+      </p:ext>
+    </p:extLst>
+  </p:cSld>
+  <p:clrMapOvr>
+    <a:masterClrMapping/>
+  </p:clrMapOvr>
+</p:sld>
+</file>
+
+<file path=ppt/slides/slide9.xml><?xml version="1.0" encoding="utf-8"?>
+<p:sld xmlns:a="http://schemas.openxmlformats.org/drawingml/2006/main" xmlns:r="http://schemas.openxmlformats.org/officeDocument/2006/relationships" xmlns:p="http://schemas.openxmlformats.org/presentationml/2006/main">
+  <p:cSld>
+    <p:spTree>
+      <p:nvGrpSpPr>
+        <p:cNvPr id="1" name=""/>
+        <p:cNvGrpSpPr/>
+        <p:nvPr/>
+      </p:nvGrpSpPr>
+      <p:grpSpPr>
+        <a:xfrm>
+          <a:off x="0" y="0"/>
+          <a:ext cx="0" cy="0"/>
+          <a:chOff x="0" y="0"/>
+          <a:chExt cx="0" cy="0"/>
+        </a:xfrm>
+      </p:grpSpPr>
+      <p:sp>
+        <p:nvSpPr>
+          <p:cNvPr id="2" name="Заголовок 1"/>
+          <p:cNvSpPr>
+            <a:spLocks noGrp="1"/>
+          </p:cNvSpPr>
+          <p:nvPr>
+            <p:ph type="title"/>
+          </p:nvPr>
+        </p:nvSpPr>
+        <p:spPr/>
+        <p:txBody>
+          <a:bodyPr/>
+          <a:lstStyle/>
+          <a:p>
+            <a:r>
+              <a:rPr lang="ru-RU" dirty="0" err="1" smtClean="0"/>
+              <a:t>Вейвлет</a:t>
+            </a:r>
+            <a:r>
+              <a:rPr lang="ru-RU" dirty="0" smtClean="0"/>
+              <a:t>-преобразование</a:t>
+            </a:r>
+            <a:endParaRPr lang="ru-RU" dirty="0"/>
+          </a:p>
+        </p:txBody>
+      </p:sp>
+      <p:pic>
+        <p:nvPicPr>
+          <p:cNvPr id="5" name="Рисунок 4"/>
+          <p:cNvPicPr>
+            <a:picLocks noChangeAspect="1"/>
+          </p:cNvPicPr>
           <p:nvPr/>
-        </p:nvSpPr>
+        </p:nvPicPr>
+        <p:blipFill>
+          <a:blip r:embed="rId2">
+            <a:extLst>
+              <a:ext uri="{28A0092B-C50C-407E-A947-70E740481C1C}">
+                <a14:useLocalDpi xmlns:a14="http://schemas.microsoft.com/office/drawing/2010/main" val="0"/>
+              </a:ext>
+            </a:extLst>
+          </a:blip>
+          <a:stretch>
+            <a:fillRect/>
+          </a:stretch>
+        </p:blipFill>
         <p:spPr>
           <a:xfrm>
-            <a:off x="3903956" y="5214938"/>
-            <a:ext cx="4384085" cy="369332"/>
+            <a:off x="1989311" y="1359493"/>
+            <a:ext cx="8213377" cy="5255849"/>
           </a:xfrm>
           <a:prstGeom prst="rect">
             <a:avLst/>
           </a:prstGeom>
-          <a:noFill/>
         </p:spPr>
-        <p:txBody>
-          <a:bodyPr wrap="none" rtlCol="0">
-            <a:spAutoFit/>
-          </a:bodyPr>
-          <a:lstStyle/>
-          <a:p>
-            <a:r>
-              <a:rPr lang="en-US" dirty="0" smtClean="0">
-                <a:hlinkClick r:id="rId3"/>
-              </a:rPr>
-              <a:t>https://github.com/ninedraft/waveproblems</a:t>
-            </a:r>
-            <a:endParaRPr lang="ru-RU" dirty="0"/>
-          </a:p>
-        </p:txBody>
-      </p:sp>
+      </p:pic>
     </p:spTree>
     <p:extLst>
       <p:ext uri="{BB962C8B-B14F-4D97-AF65-F5344CB8AC3E}">
-        <p14:creationId xmlns:p14="http://schemas.microsoft.com/office/powerpoint/2010/main" val="3227809440"/>
+        <p14:creationId xmlns:p14="http://schemas.microsoft.com/office/powerpoint/2010/main" val="1500354168"/>
       </p:ext>
     </p:extLst>
   </p:cSld>

--- a/Доклад 02 wavelet-преобразование.pptx
+++ b/Доклад 02 wavelet-преобразование.pptx
@@ -14,7 +14,8 @@
     <p:sldId id="257" r:id="rId8"/>
     <p:sldId id="263" r:id="rId9"/>
     <p:sldId id="264" r:id="rId10"/>
-    <p:sldId id="258" r:id="rId11"/>
+    <p:sldId id="267" r:id="rId11"/>
+    <p:sldId id="258" r:id="rId12"/>
   </p:sldIdLst>
   <p:sldSz cx="12192000" cy="6858000"/>
   <p:notesSz cx="6858000" cy="9144000"/>
@@ -252,7 +253,7 @@
           <a:p>
             <a:fld id="{2AEF6AB7-5D86-472F-949B-2C663C76DB66}" type="datetimeFigureOut">
               <a:rPr lang="ru-RU" smtClean="0"/>
-              <a:t>ср, 11, 04, 2018</a:t>
+              <a:t>чт, 12, 04, 2018</a:t>
             </a:fld>
             <a:endParaRPr lang="ru-RU"/>
           </a:p>
@@ -422,7 +423,7 @@
           <a:p>
             <a:fld id="{2AEF6AB7-5D86-472F-949B-2C663C76DB66}" type="datetimeFigureOut">
               <a:rPr lang="ru-RU" smtClean="0"/>
-              <a:t>ср, 11, 04, 2018</a:t>
+              <a:t>чт, 12, 04, 2018</a:t>
             </a:fld>
             <a:endParaRPr lang="ru-RU"/>
           </a:p>
@@ -602,7 +603,7 @@
           <a:p>
             <a:fld id="{2AEF6AB7-5D86-472F-949B-2C663C76DB66}" type="datetimeFigureOut">
               <a:rPr lang="ru-RU" smtClean="0"/>
-              <a:t>ср, 11, 04, 2018</a:t>
+              <a:t>чт, 12, 04, 2018</a:t>
             </a:fld>
             <a:endParaRPr lang="ru-RU"/>
           </a:p>
@@ -772,7 +773,7 @@
           <a:p>
             <a:fld id="{2AEF6AB7-5D86-472F-949B-2C663C76DB66}" type="datetimeFigureOut">
               <a:rPr lang="ru-RU" smtClean="0"/>
-              <a:t>ср, 11, 04, 2018</a:t>
+              <a:t>чт, 12, 04, 2018</a:t>
             </a:fld>
             <a:endParaRPr lang="ru-RU"/>
           </a:p>
@@ -1018,7 +1019,7 @@
           <a:p>
             <a:fld id="{2AEF6AB7-5D86-472F-949B-2C663C76DB66}" type="datetimeFigureOut">
               <a:rPr lang="ru-RU" smtClean="0"/>
-              <a:t>ср, 11, 04, 2018</a:t>
+              <a:t>чт, 12, 04, 2018</a:t>
             </a:fld>
             <a:endParaRPr lang="ru-RU"/>
           </a:p>
@@ -1250,7 +1251,7 @@
           <a:p>
             <a:fld id="{2AEF6AB7-5D86-472F-949B-2C663C76DB66}" type="datetimeFigureOut">
               <a:rPr lang="ru-RU" smtClean="0"/>
-              <a:t>ср, 11, 04, 2018</a:t>
+              <a:t>чт, 12, 04, 2018</a:t>
             </a:fld>
             <a:endParaRPr lang="ru-RU"/>
           </a:p>
@@ -1617,7 +1618,7 @@
           <a:p>
             <a:fld id="{2AEF6AB7-5D86-472F-949B-2C663C76DB66}" type="datetimeFigureOut">
               <a:rPr lang="ru-RU" smtClean="0"/>
-              <a:t>ср, 11, 04, 2018</a:t>
+              <a:t>чт, 12, 04, 2018</a:t>
             </a:fld>
             <a:endParaRPr lang="ru-RU"/>
           </a:p>
@@ -1735,7 +1736,7 @@
           <a:p>
             <a:fld id="{2AEF6AB7-5D86-472F-949B-2C663C76DB66}" type="datetimeFigureOut">
               <a:rPr lang="ru-RU" smtClean="0"/>
-              <a:t>ср, 11, 04, 2018</a:t>
+              <a:t>чт, 12, 04, 2018</a:t>
             </a:fld>
             <a:endParaRPr lang="ru-RU"/>
           </a:p>
@@ -1830,7 +1831,7 @@
           <a:p>
             <a:fld id="{2AEF6AB7-5D86-472F-949B-2C663C76DB66}" type="datetimeFigureOut">
               <a:rPr lang="ru-RU" smtClean="0"/>
-              <a:t>ср, 11, 04, 2018</a:t>
+              <a:t>чт, 12, 04, 2018</a:t>
             </a:fld>
             <a:endParaRPr lang="ru-RU"/>
           </a:p>
@@ -2107,7 +2108,7 @@
           <a:p>
             <a:fld id="{2AEF6AB7-5D86-472F-949B-2C663C76DB66}" type="datetimeFigureOut">
               <a:rPr lang="ru-RU" smtClean="0"/>
-              <a:t>ср, 11, 04, 2018</a:t>
+              <a:t>чт, 12, 04, 2018</a:t>
             </a:fld>
             <a:endParaRPr lang="ru-RU"/>
           </a:p>
@@ -2360,7 +2361,7 @@
           <a:p>
             <a:fld id="{2AEF6AB7-5D86-472F-949B-2C663C76DB66}" type="datetimeFigureOut">
               <a:rPr lang="ru-RU" smtClean="0"/>
-              <a:t>ср, 11, 04, 2018</a:t>
+              <a:t>чт, 12, 04, 2018</a:t>
             </a:fld>
             <a:endParaRPr lang="ru-RU"/>
           </a:p>
@@ -2573,7 +2574,7 @@
           <a:p>
             <a:fld id="{2AEF6AB7-5D86-472F-949B-2C663C76DB66}" type="datetimeFigureOut">
               <a:rPr lang="ru-RU" smtClean="0"/>
-              <a:t>ср, 11, 04, 2018</a:t>
+              <a:t>чт, 12, 04, 2018</a:t>
             </a:fld>
             <a:endParaRPr lang="ru-RU"/>
           </a:p>
@@ -3099,6 +3100,166 @@
           <a:bodyPr/>
           <a:lstStyle/>
           <a:p>
+            <a:r>
+              <a:rPr lang="ru-RU" dirty="0" smtClean="0"/>
+              <a:t>Источники</a:t>
+            </a:r>
+            <a:endParaRPr lang="ru-RU" dirty="0"/>
+          </a:p>
+        </p:txBody>
+      </p:sp>
+      <p:sp>
+        <p:nvSpPr>
+          <p:cNvPr id="3" name="Объект 2"/>
+          <p:cNvSpPr>
+            <a:spLocks noGrp="1"/>
+          </p:cNvSpPr>
+          <p:nvPr>
+            <p:ph idx="1"/>
+          </p:nvPr>
+        </p:nvSpPr>
+        <p:spPr>
+          <a:xfrm>
+            <a:off x="774590" y="2716172"/>
+            <a:ext cx="9609813" cy="2277247"/>
+          </a:xfrm>
+        </p:spPr>
+        <p:txBody>
+          <a:bodyPr/>
+          <a:lstStyle/>
+          <a:p>
+            <a:r>
+              <a:rPr lang="en-US" altLang="ru-RU" dirty="0"/>
+              <a:t>Amara </a:t>
+            </a:r>
+            <a:r>
+              <a:rPr lang="en-US" altLang="ru-RU" dirty="0" err="1"/>
+              <a:t>Graps</a:t>
+            </a:r>
+            <a:r>
+              <a:rPr lang="en-US" altLang="ru-RU" dirty="0"/>
+              <a:t>, </a:t>
+            </a:r>
+            <a:r>
+              <a:rPr lang="ru-RU" altLang="ru-RU" dirty="0"/>
+              <a:t>«</a:t>
+            </a:r>
+            <a:r>
+              <a:rPr lang="en-US" altLang="ru-RU" dirty="0"/>
+              <a:t>An Introduction to Wavelets</a:t>
+            </a:r>
+            <a:r>
+              <a:rPr lang="ru-RU" altLang="ru-RU" dirty="0"/>
+              <a:t>»</a:t>
+            </a:r>
+          </a:p>
+          <a:p>
+            <a:r>
+              <a:rPr lang="en-US" altLang="ru-RU" dirty="0" err="1"/>
+              <a:t>Robi</a:t>
+            </a:r>
+            <a:r>
+              <a:rPr lang="en-US" altLang="ru-RU" dirty="0"/>
+              <a:t> </a:t>
+            </a:r>
+            <a:r>
+              <a:rPr lang="en-US" altLang="ru-RU" dirty="0" err="1"/>
+              <a:t>Polikar</a:t>
+            </a:r>
+            <a:r>
+              <a:rPr lang="en-US" altLang="ru-RU" dirty="0"/>
+              <a:t>, </a:t>
+            </a:r>
+            <a:r>
+              <a:rPr lang="ru-RU" altLang="ru-RU" dirty="0"/>
+              <a:t>«</a:t>
+            </a:r>
+            <a:r>
+              <a:rPr lang="en-US" altLang="ru-RU" dirty="0"/>
+              <a:t>The Wavelet Tutorial</a:t>
+            </a:r>
+            <a:r>
+              <a:rPr lang="ru-RU" altLang="ru-RU" dirty="0"/>
+              <a:t>»</a:t>
+            </a:r>
+            <a:endParaRPr lang="en-US" altLang="ru-RU" dirty="0"/>
+          </a:p>
+          <a:p>
+            <a:r>
+              <a:rPr lang="en-US" altLang="ru-RU" dirty="0" err="1"/>
+              <a:t>MiKXMan</a:t>
+            </a:r>
+            <a:r>
+              <a:rPr lang="en-US" altLang="ru-RU" dirty="0"/>
+              <a:t>, </a:t>
+            </a:r>
+            <a:r>
+              <a:rPr lang="ru-RU" altLang="ru-RU" dirty="0"/>
+              <a:t>«Непрерывное </a:t>
+            </a:r>
+            <a:r>
+              <a:rPr lang="en-US" altLang="ru-RU" dirty="0"/>
+              <a:t>wavelet </a:t>
+            </a:r>
+            <a:r>
+              <a:rPr lang="ru-RU" altLang="ru-RU" dirty="0"/>
+              <a:t>преобразование»</a:t>
+            </a:r>
+            <a:endParaRPr lang="en-US" altLang="ru-RU" dirty="0"/>
+          </a:p>
+          <a:p>
+            <a:pPr marL="0" indent="0">
+              <a:buNone/>
+            </a:pPr>
+            <a:endParaRPr lang="ru-RU" altLang="ru-RU" dirty="0"/>
+          </a:p>
+        </p:txBody>
+      </p:sp>
+    </p:spTree>
+    <p:extLst>
+      <p:ext uri="{BB962C8B-B14F-4D97-AF65-F5344CB8AC3E}">
+        <p14:creationId xmlns:p14="http://schemas.microsoft.com/office/powerpoint/2010/main" val="97666301"/>
+      </p:ext>
+    </p:extLst>
+  </p:cSld>
+  <p:clrMapOvr>
+    <a:masterClrMapping/>
+  </p:clrMapOvr>
+</p:sld>
+</file>
+
+<file path=ppt/slides/slide11.xml><?xml version="1.0" encoding="utf-8"?>
+<p:sld xmlns:a="http://schemas.openxmlformats.org/drawingml/2006/main" xmlns:r="http://schemas.openxmlformats.org/officeDocument/2006/relationships" xmlns:p="http://schemas.openxmlformats.org/presentationml/2006/main">
+  <p:cSld>
+    <p:spTree>
+      <p:nvGrpSpPr>
+        <p:cNvPr id="1" name=""/>
+        <p:cNvGrpSpPr/>
+        <p:nvPr/>
+      </p:nvGrpSpPr>
+      <p:grpSpPr>
+        <a:xfrm>
+          <a:off x="0" y="0"/>
+          <a:ext cx="0" cy="0"/>
+          <a:chOff x="0" y="0"/>
+          <a:chExt cx="0" cy="0"/>
+        </a:xfrm>
+      </p:grpSpPr>
+      <p:sp>
+        <p:nvSpPr>
+          <p:cNvPr id="2" name="Заголовок 1"/>
+          <p:cNvSpPr>
+            <a:spLocks noGrp="1"/>
+          </p:cNvSpPr>
+          <p:nvPr>
+            <p:ph type="title"/>
+          </p:nvPr>
+        </p:nvSpPr>
+        <p:spPr/>
+        <p:txBody>
+          <a:bodyPr/>
+          <a:lstStyle/>
+          <a:p>
             <a:pPr algn="ctr"/>
             <a:r>
               <a:rPr lang="ru-RU" dirty="0" smtClean="0"/>
@@ -3230,8 +3391,8 @@
           </a:p>
         </p:txBody>
       </p:sp>
-      <mc:AlternateContent xmlns:mc="http://schemas.openxmlformats.org/markup-compatibility/2006">
-        <mc:Choice xmlns:a14="http://schemas.microsoft.com/office/drawing/2010/main" Requires="a14">
+      <mc:AlternateContent xmlns:mc="http://schemas.openxmlformats.org/markup-compatibility/2006" xmlns:a14="http://schemas.microsoft.com/office/drawing/2010/main">
+        <mc:Choice Requires="a14">
           <p:sp>
             <p:nvSpPr>
               <p:cNvPr id="3" name="Объект 2"/>
@@ -3326,7 +3487,7 @@
             </p:txBody>
           </p:sp>
         </mc:Choice>
-        <mc:Fallback>
+        <mc:Fallback xmlns="">
           <p:sp>
             <p:nvSpPr>
               <p:cNvPr id="3" name="Объект 2"/>
@@ -3514,8 +3675,8 @@
           </a:p>
         </p:txBody>
       </p:sp>
-      <mc:AlternateContent xmlns:mc="http://schemas.openxmlformats.org/markup-compatibility/2006">
-        <mc:Choice xmlns:a14="http://schemas.microsoft.com/office/drawing/2010/main" Requires="a14">
+      <mc:AlternateContent xmlns:mc="http://schemas.openxmlformats.org/markup-compatibility/2006" xmlns:a14="http://schemas.microsoft.com/office/drawing/2010/main">
+        <mc:Choice Requires="a14">
           <p:sp>
             <p:nvSpPr>
               <p:cNvPr id="3" name="Объект 2"/>
@@ -4005,7 +4166,7 @@
             </p:txBody>
           </p:sp>
         </mc:Choice>
-        <mc:Fallback>
+        <mc:Fallback xmlns="">
           <p:sp>
             <p:nvSpPr>
               <p:cNvPr id="3" name="Объект 2"/>
@@ -4043,8 +4204,8 @@
           </p:sp>
         </mc:Fallback>
       </mc:AlternateContent>
-      <mc:AlternateContent xmlns:mc="http://schemas.openxmlformats.org/markup-compatibility/2006">
-        <mc:Choice xmlns:a14="http://schemas.microsoft.com/office/drawing/2010/main" Requires="a14">
+      <mc:AlternateContent xmlns:mc="http://schemas.openxmlformats.org/markup-compatibility/2006" xmlns:a14="http://schemas.microsoft.com/office/drawing/2010/main">
+        <mc:Choice Requires="a14">
           <p:sp>
             <p:nvSpPr>
               <p:cNvPr id="4" name="Объект 2"/>
@@ -4600,7 +4761,7 @@
             </p:txBody>
           </p:sp>
         </mc:Choice>
-        <mc:Fallback>
+        <mc:Fallback xmlns="">
           <p:sp>
             <p:nvSpPr>
               <p:cNvPr id="4" name="Объект 2"/>
@@ -4902,8 +5063,8 @@
           </a:p>
         </p:txBody>
       </p:sp>
-      <mc:AlternateContent xmlns:mc="http://schemas.openxmlformats.org/markup-compatibility/2006">
-        <mc:Choice xmlns:a14="http://schemas.microsoft.com/office/drawing/2010/main" Requires="a14">
+      <mc:AlternateContent xmlns:mc="http://schemas.openxmlformats.org/markup-compatibility/2006" xmlns:a14="http://schemas.microsoft.com/office/drawing/2010/main">
+        <mc:Choice Requires="a14">
           <p:sp>
             <p:nvSpPr>
               <p:cNvPr id="3" name="Объект 2"/>
@@ -5207,7 +5368,7 @@
             </p:txBody>
           </p:sp>
         </mc:Choice>
-        <mc:Fallback>
+        <mc:Fallback xmlns="">
           <p:sp>
             <p:nvSpPr>
               <p:cNvPr id="3" name="Объект 2"/>
@@ -5305,8 +5466,8 @@
           </a:p>
         </p:txBody>
       </p:sp>
-      <mc:AlternateContent xmlns:mc="http://schemas.openxmlformats.org/markup-compatibility/2006">
-        <mc:Choice xmlns:a14="http://schemas.microsoft.com/office/drawing/2010/main" Requires="a14">
+      <mc:AlternateContent xmlns:mc="http://schemas.openxmlformats.org/markup-compatibility/2006" xmlns:a14="http://schemas.microsoft.com/office/drawing/2010/main">
+        <mc:Choice Requires="a14">
           <p:sp>
             <p:nvSpPr>
               <p:cNvPr id="8" name="TextBox 7"/>
@@ -5335,6 +5496,7 @@
                 </a:r>
               </a:p>
               <a:p>
+                <a:pPr/>
                 <a14:m>
                   <m:oMathPara xmlns:m="http://schemas.openxmlformats.org/officeDocument/2006/math">
                     <m:oMathParaPr>
@@ -5545,7 +5707,7 @@
             </p:txBody>
           </p:sp>
         </mc:Choice>
-        <mc:Fallback>
+        <mc:Fallback xmlns="">
           <p:sp>
             <p:nvSpPr>
               <p:cNvPr id="8" name="TextBox 7"/>

--- a/Доклад 02 wavelet-преобразование.pptx
+++ b/Доклад 02 wavelet-преобразование.pptx
@@ -14,8 +14,10 @@
     <p:sldId id="257" r:id="rId8"/>
     <p:sldId id="263" r:id="rId9"/>
     <p:sldId id="264" r:id="rId10"/>
-    <p:sldId id="267" r:id="rId11"/>
-    <p:sldId id="258" r:id="rId12"/>
+    <p:sldId id="268" r:id="rId11"/>
+    <p:sldId id="269" r:id="rId12"/>
+    <p:sldId id="267" r:id="rId13"/>
+    <p:sldId id="258" r:id="rId14"/>
   </p:sldIdLst>
   <p:sldSz cx="12192000" cy="6858000"/>
   <p:notesSz cx="6858000" cy="9144000"/>
@@ -253,7 +255,7 @@
           <a:p>
             <a:fld id="{2AEF6AB7-5D86-472F-949B-2C663C76DB66}" type="datetimeFigureOut">
               <a:rPr lang="ru-RU" smtClean="0"/>
-              <a:t>чт, 12, 04, 2018</a:t>
+              <a:t>пн, 23, 04, 2018</a:t>
             </a:fld>
             <a:endParaRPr lang="ru-RU"/>
           </a:p>
@@ -423,7 +425,7 @@
           <a:p>
             <a:fld id="{2AEF6AB7-5D86-472F-949B-2C663C76DB66}" type="datetimeFigureOut">
               <a:rPr lang="ru-RU" smtClean="0"/>
-              <a:t>чт, 12, 04, 2018</a:t>
+              <a:t>пн, 23, 04, 2018</a:t>
             </a:fld>
             <a:endParaRPr lang="ru-RU"/>
           </a:p>
@@ -603,7 +605,7 @@
           <a:p>
             <a:fld id="{2AEF6AB7-5D86-472F-949B-2C663C76DB66}" type="datetimeFigureOut">
               <a:rPr lang="ru-RU" smtClean="0"/>
-              <a:t>чт, 12, 04, 2018</a:t>
+              <a:t>пн, 23, 04, 2018</a:t>
             </a:fld>
             <a:endParaRPr lang="ru-RU"/>
           </a:p>
@@ -773,7 +775,7 @@
           <a:p>
             <a:fld id="{2AEF6AB7-5D86-472F-949B-2C663C76DB66}" type="datetimeFigureOut">
               <a:rPr lang="ru-RU" smtClean="0"/>
-              <a:t>чт, 12, 04, 2018</a:t>
+              <a:t>пн, 23, 04, 2018</a:t>
             </a:fld>
             <a:endParaRPr lang="ru-RU"/>
           </a:p>
@@ -1019,7 +1021,7 @@
           <a:p>
             <a:fld id="{2AEF6AB7-5D86-472F-949B-2C663C76DB66}" type="datetimeFigureOut">
               <a:rPr lang="ru-RU" smtClean="0"/>
-              <a:t>чт, 12, 04, 2018</a:t>
+              <a:t>пн, 23, 04, 2018</a:t>
             </a:fld>
             <a:endParaRPr lang="ru-RU"/>
           </a:p>
@@ -1251,7 +1253,7 @@
           <a:p>
             <a:fld id="{2AEF6AB7-5D86-472F-949B-2C663C76DB66}" type="datetimeFigureOut">
               <a:rPr lang="ru-RU" smtClean="0"/>
-              <a:t>чт, 12, 04, 2018</a:t>
+              <a:t>пн, 23, 04, 2018</a:t>
             </a:fld>
             <a:endParaRPr lang="ru-RU"/>
           </a:p>
@@ -1618,7 +1620,7 @@
           <a:p>
             <a:fld id="{2AEF6AB7-5D86-472F-949B-2C663C76DB66}" type="datetimeFigureOut">
               <a:rPr lang="ru-RU" smtClean="0"/>
-              <a:t>чт, 12, 04, 2018</a:t>
+              <a:t>пн, 23, 04, 2018</a:t>
             </a:fld>
             <a:endParaRPr lang="ru-RU"/>
           </a:p>
@@ -1736,7 +1738,7 @@
           <a:p>
             <a:fld id="{2AEF6AB7-5D86-472F-949B-2C663C76DB66}" type="datetimeFigureOut">
               <a:rPr lang="ru-RU" smtClean="0"/>
-              <a:t>чт, 12, 04, 2018</a:t>
+              <a:t>пн, 23, 04, 2018</a:t>
             </a:fld>
             <a:endParaRPr lang="ru-RU"/>
           </a:p>
@@ -1831,7 +1833,7 @@
           <a:p>
             <a:fld id="{2AEF6AB7-5D86-472F-949B-2C663C76DB66}" type="datetimeFigureOut">
               <a:rPr lang="ru-RU" smtClean="0"/>
-              <a:t>чт, 12, 04, 2018</a:t>
+              <a:t>пн, 23, 04, 2018</a:t>
             </a:fld>
             <a:endParaRPr lang="ru-RU"/>
           </a:p>
@@ -2108,7 +2110,7 @@
           <a:p>
             <a:fld id="{2AEF6AB7-5D86-472F-949B-2C663C76DB66}" type="datetimeFigureOut">
               <a:rPr lang="ru-RU" smtClean="0"/>
-              <a:t>чт, 12, 04, 2018</a:t>
+              <a:t>пн, 23, 04, 2018</a:t>
             </a:fld>
             <a:endParaRPr lang="ru-RU"/>
           </a:p>
@@ -2361,7 +2363,7 @@
           <a:p>
             <a:fld id="{2AEF6AB7-5D86-472F-949B-2C663C76DB66}" type="datetimeFigureOut">
               <a:rPr lang="ru-RU" smtClean="0"/>
-              <a:t>чт, 12, 04, 2018</a:t>
+              <a:t>пн, 23, 04, 2018</a:t>
             </a:fld>
             <a:endParaRPr lang="ru-RU"/>
           </a:p>
@@ -2574,7 +2576,7 @@
           <a:p>
             <a:fld id="{2AEF6AB7-5D86-472F-949B-2C663C76DB66}" type="datetimeFigureOut">
               <a:rPr lang="ru-RU" smtClean="0"/>
-              <a:t>чт, 12, 04, 2018</a:t>
+              <a:t>пн, 23, 04, 2018</a:t>
             </a:fld>
             <a:endParaRPr lang="ru-RU"/>
           </a:p>
@@ -3102,6 +3104,172 @@
           <a:p>
             <a:r>
               <a:rPr lang="ru-RU" dirty="0" smtClean="0"/>
+              <a:t>Фильтрация сигналов</a:t>
+            </a:r>
+            <a:endParaRPr lang="ru-RU" dirty="0"/>
+          </a:p>
+        </p:txBody>
+      </p:sp>
+      <p:pic>
+        <p:nvPicPr>
+          <p:cNvPr id="5" name="Рисунок 4"/>
+          <p:cNvPicPr>
+            <a:picLocks noChangeAspect="1"/>
+          </p:cNvPicPr>
+          <p:nvPr/>
+        </p:nvPicPr>
+        <p:blipFill>
+          <a:blip r:embed="rId2">
+            <a:extLst>
+              <a:ext uri="{28A0092B-C50C-407E-A947-70E740481C1C}">
+                <a14:useLocalDpi xmlns:a14="http://schemas.microsoft.com/office/drawing/2010/main" val="0"/>
+              </a:ext>
+            </a:extLst>
+          </a:blip>
+          <a:stretch>
+            <a:fillRect/>
+          </a:stretch>
+        </p:blipFill>
+        <p:spPr>
+          <a:xfrm>
+            <a:off x="195505" y="1625524"/>
+            <a:ext cx="11800989" cy="4052223"/>
+          </a:xfrm>
+          <a:prstGeom prst="rect">
+            <a:avLst/>
+          </a:prstGeom>
+        </p:spPr>
+      </p:pic>
+    </p:spTree>
+    <p:extLst>
+      <p:ext uri="{BB962C8B-B14F-4D97-AF65-F5344CB8AC3E}">
+        <p14:creationId xmlns:p14="http://schemas.microsoft.com/office/powerpoint/2010/main" val="3670969157"/>
+      </p:ext>
+    </p:extLst>
+  </p:cSld>
+  <p:clrMapOvr>
+    <a:masterClrMapping/>
+  </p:clrMapOvr>
+</p:sld>
+</file>
+
+<file path=ppt/slides/slide11.xml><?xml version="1.0" encoding="utf-8"?>
+<p:sld xmlns:a="http://schemas.openxmlformats.org/drawingml/2006/main" xmlns:r="http://schemas.openxmlformats.org/officeDocument/2006/relationships" xmlns:p="http://schemas.openxmlformats.org/presentationml/2006/main">
+  <p:cSld>
+    <p:spTree>
+      <p:nvGrpSpPr>
+        <p:cNvPr id="1" name=""/>
+        <p:cNvGrpSpPr/>
+        <p:nvPr/>
+      </p:nvGrpSpPr>
+      <p:grpSpPr>
+        <a:xfrm>
+          <a:off x="0" y="0"/>
+          <a:ext cx="0" cy="0"/>
+          <a:chOff x="0" y="0"/>
+          <a:chExt cx="0" cy="0"/>
+        </a:xfrm>
+      </p:grpSpPr>
+      <p:sp>
+        <p:nvSpPr>
+          <p:cNvPr id="2" name="Заголовок 1"/>
+          <p:cNvSpPr>
+            <a:spLocks noGrp="1"/>
+          </p:cNvSpPr>
+          <p:nvPr>
+            <p:ph type="title"/>
+          </p:nvPr>
+        </p:nvSpPr>
+        <p:spPr/>
+        <p:txBody>
+          <a:bodyPr/>
+          <a:lstStyle/>
+          <a:p>
+            <a:r>
+              <a:rPr lang="ru-RU" dirty="0" smtClean="0"/>
+              <a:t>Фильтрация сигналов</a:t>
+            </a:r>
+            <a:endParaRPr lang="ru-RU" dirty="0"/>
+          </a:p>
+        </p:txBody>
+      </p:sp>
+      <p:pic>
+        <p:nvPicPr>
+          <p:cNvPr id="4" name="Рисунок 3"/>
+          <p:cNvPicPr>
+            <a:picLocks noChangeAspect="1"/>
+          </p:cNvPicPr>
+          <p:nvPr/>
+        </p:nvPicPr>
+        <p:blipFill>
+          <a:blip r:embed="rId2">
+            <a:extLst>
+              <a:ext uri="{28A0092B-C50C-407E-A947-70E740481C1C}">
+                <a14:useLocalDpi xmlns:a14="http://schemas.microsoft.com/office/drawing/2010/main" val="0"/>
+              </a:ext>
+            </a:extLst>
+          </a:blip>
+          <a:stretch>
+            <a:fillRect/>
+          </a:stretch>
+        </p:blipFill>
+        <p:spPr>
+          <a:xfrm>
+            <a:off x="514918" y="1690688"/>
+            <a:ext cx="11496119" cy="4331687"/>
+          </a:xfrm>
+          <a:prstGeom prst="rect">
+            <a:avLst/>
+          </a:prstGeom>
+        </p:spPr>
+      </p:pic>
+    </p:spTree>
+    <p:extLst>
+      <p:ext uri="{BB962C8B-B14F-4D97-AF65-F5344CB8AC3E}">
+        <p14:creationId xmlns:p14="http://schemas.microsoft.com/office/powerpoint/2010/main" val="2957233790"/>
+      </p:ext>
+    </p:extLst>
+  </p:cSld>
+  <p:clrMapOvr>
+    <a:masterClrMapping/>
+  </p:clrMapOvr>
+</p:sld>
+</file>
+
+<file path=ppt/slides/slide12.xml><?xml version="1.0" encoding="utf-8"?>
+<p:sld xmlns:a="http://schemas.openxmlformats.org/drawingml/2006/main" xmlns:r="http://schemas.openxmlformats.org/officeDocument/2006/relationships" xmlns:p="http://schemas.openxmlformats.org/presentationml/2006/main">
+  <p:cSld>
+    <p:spTree>
+      <p:nvGrpSpPr>
+        <p:cNvPr id="1" name=""/>
+        <p:cNvGrpSpPr/>
+        <p:nvPr/>
+      </p:nvGrpSpPr>
+      <p:grpSpPr>
+        <a:xfrm>
+          <a:off x="0" y="0"/>
+          <a:ext cx="0" cy="0"/>
+          <a:chOff x="0" y="0"/>
+          <a:chExt cx="0" cy="0"/>
+        </a:xfrm>
+      </p:grpSpPr>
+      <p:sp>
+        <p:nvSpPr>
+          <p:cNvPr id="2" name="Заголовок 1"/>
+          <p:cNvSpPr>
+            <a:spLocks noGrp="1"/>
+          </p:cNvSpPr>
+          <p:nvPr>
+            <p:ph type="title"/>
+          </p:nvPr>
+        </p:nvSpPr>
+        <p:spPr/>
+        <p:txBody>
+          <a:bodyPr/>
+          <a:lstStyle/>
+          <a:p>
+            <a:r>
+              <a:rPr lang="ru-RU" dirty="0" smtClean="0"/>
               <a:t>Источники</a:t>
             </a:r>
             <a:endParaRPr lang="ru-RU" dirty="0"/>
@@ -3203,9 +3371,39 @@
             </a:r>
             <a:r>
               <a:rPr lang="ru-RU" altLang="ru-RU" dirty="0"/>
-              <a:t>преобразование»</a:t>
-            </a:r>
-            <a:endParaRPr lang="en-US" altLang="ru-RU" dirty="0"/>
+              <a:t>преобразование</a:t>
+            </a:r>
+            <a:r>
+              <a:rPr lang="ru-RU" altLang="ru-RU" dirty="0" smtClean="0"/>
+              <a:t>»</a:t>
+            </a:r>
+          </a:p>
+          <a:p>
+            <a:r>
+              <a:rPr lang="en-US" dirty="0" smtClean="0"/>
+              <a:t>Kyle </a:t>
+            </a:r>
+            <a:r>
+              <a:rPr lang="en-US" dirty="0" err="1" smtClean="0"/>
+              <a:t>Kastne</a:t>
+            </a:r>
+            <a:r>
+              <a:rPr lang="en-US" dirty="0" smtClean="0"/>
+              <a:t>, </a:t>
+            </a:r>
+            <a:r>
+              <a:rPr lang="ru-RU" dirty="0" smtClean="0"/>
+              <a:t>«</a:t>
+            </a:r>
+            <a:r>
+              <a:rPr lang="en-US" dirty="0"/>
+              <a:t>Wavelets</a:t>
+            </a:r>
+            <a:r>
+              <a:rPr lang="ru-RU" dirty="0" smtClean="0"/>
+              <a:t>»</a:t>
+            </a:r>
+            <a:endParaRPr lang="en-US" altLang="ru-RU" dirty="0" smtClean="0"/>
           </a:p>
           <a:p>
             <a:pPr marL="0" indent="0">
@@ -3228,7 +3426,7 @@
 </p:sld>
 </file>
 
-<file path=ppt/slides/slide11.xml><?xml version="1.0" encoding="utf-8"?>
+<file path=ppt/slides/slide13.xml><?xml version="1.0" encoding="utf-8"?>
 <p:sld xmlns:a="http://schemas.openxmlformats.org/drawingml/2006/main" xmlns:r="http://schemas.openxmlformats.org/officeDocument/2006/relationships" xmlns:p="http://schemas.openxmlformats.org/presentationml/2006/main">
   <p:cSld>
     <p:spTree>
